--- a/Organisatorisches/Presentations/Presentation_WS.pptx
+++ b/Organisatorisches/Presentations/Presentation_WS.pptx
@@ -10,8 +10,15 @@
     <p:sldId id="258" r:id="rId4"/>
     <p:sldId id="259" r:id="rId5"/>
     <p:sldId id="260" r:id="rId6"/>
-    <p:sldId id="261" r:id="rId7"/>
-    <p:sldId id="262" r:id="rId8"/>
+    <p:sldId id="265" r:id="rId7"/>
+    <p:sldId id="261" r:id="rId8"/>
+    <p:sldId id="262" r:id="rId9"/>
+    <p:sldId id="266" r:id="rId10"/>
+    <p:sldId id="263" r:id="rId11"/>
+    <p:sldId id="264" r:id="rId12"/>
+    <p:sldId id="267" r:id="rId13"/>
+    <p:sldId id="268" r:id="rId14"/>
+    <p:sldId id="269" r:id="rId15"/>
   </p:sldIdLst>
   <p:sldSz cx="12192000" cy="6858000"/>
   <p:notesSz cx="6858000" cy="9144000"/>
@@ -110,7 +117,16 @@
       </a:defRPr>
     </a:lvl9pPr>
   </p:defaultTextStyle>
+  <p:extLst>
+    <p:ext uri="{EFAFB233-063F-42B5-8137-9DF3F51BA10A}">
+      <p15:sldGuideLst xmlns:p15="http://schemas.microsoft.com/office/powerpoint/2012/main"/>
+    </p:ext>
+  </p:extLst>
 </p:presentation>
+</file>
+
+<file path=ppt/revisionInfo.xml><?xml version="1.0" encoding="utf-8"?>
+<p1510:revInfo xmlns:a="http://schemas.openxmlformats.org/drawingml/2006/main" xmlns:r="http://schemas.openxmlformats.org/officeDocument/2006/relationships" xmlns:p1510="http://schemas.microsoft.com/office/powerpoint/2015/10/main"/>
 </file>
 
 <file path=ppt/slideLayouts/slideLayout1.xml><?xml version="1.0" encoding="utf-8"?>
@@ -5965,6 +5981,570 @@
 </p:sld>
 </file>
 
+<file path=ppt/slides/slide10.xml><?xml version="1.0" encoding="utf-8"?>
+<p:sld xmlns:a="http://schemas.openxmlformats.org/drawingml/2006/main" xmlns:r="http://schemas.openxmlformats.org/officeDocument/2006/relationships" xmlns:p="http://schemas.openxmlformats.org/presentationml/2006/main">
+  <p:cSld>
+    <p:spTree>
+      <p:nvGrpSpPr>
+        <p:cNvPr id="1" name=""/>
+        <p:cNvGrpSpPr/>
+        <p:nvPr/>
+      </p:nvGrpSpPr>
+      <p:grpSpPr>
+        <a:xfrm>
+          <a:off x="0" y="0"/>
+          <a:ext cx="0" cy="0"/>
+          <a:chOff x="0" y="0"/>
+          <a:chExt cx="0" cy="0"/>
+        </a:xfrm>
+      </p:grpSpPr>
+      <p:sp>
+        <p:nvSpPr>
+          <p:cNvPr id="2" name="Titel 1">
+            <a:extLst>
+              <a:ext uri="{FF2B5EF4-FFF2-40B4-BE49-F238E27FC236}">
+                <a16:creationId xmlns:a16="http://schemas.microsoft.com/office/drawing/2014/main" id="{B8AD9954-CB18-4D7C-9CC4-69B941D9ECF7}"/>
+              </a:ext>
+            </a:extLst>
+          </p:cNvPr>
+          <p:cNvSpPr>
+            <a:spLocks noGrp="1"/>
+          </p:cNvSpPr>
+          <p:nvPr>
+            <p:ph type="title"/>
+          </p:nvPr>
+        </p:nvSpPr>
+        <p:spPr/>
+        <p:txBody>
+          <a:bodyPr/>
+          <a:lstStyle/>
+          <a:p>
+            <a:r>
+              <a:rPr lang="de-DE" dirty="0"/>
+              <a:t>US3: Waren vermerken - Backlog</a:t>
+            </a:r>
+          </a:p>
+        </p:txBody>
+      </p:sp>
+      <p:sp>
+        <p:nvSpPr>
+          <p:cNvPr id="3" name="Inhaltsplatzhalter 2">
+            <a:extLst>
+              <a:ext uri="{FF2B5EF4-FFF2-40B4-BE49-F238E27FC236}">
+                <a16:creationId xmlns:a16="http://schemas.microsoft.com/office/drawing/2014/main" id="{8D9D7081-028C-4239-A22D-D0D1E0A84FFD}"/>
+              </a:ext>
+            </a:extLst>
+          </p:cNvPr>
+          <p:cNvSpPr>
+            <a:spLocks noGrp="1"/>
+          </p:cNvSpPr>
+          <p:nvPr>
+            <p:ph idx="1"/>
+          </p:nvPr>
+        </p:nvSpPr>
+        <p:spPr/>
+        <p:txBody>
+          <a:bodyPr/>
+          <a:lstStyle/>
+          <a:p>
+            <a:r>
+              <a:rPr lang="de-DE" dirty="0"/>
+              <a:t>Aufgabenstellung: zusätzlicher Menüpunkt Warenkorb</a:t>
+            </a:r>
+          </a:p>
+          <a:p>
+            <a:r>
+              <a:rPr lang="de-DE" dirty="0"/>
+              <a:t>FA: Produkte in Warenkorb einfügen + entfernen</a:t>
+            </a:r>
+          </a:p>
+          <a:p>
+            <a:r>
+              <a:rPr lang="de-DE" dirty="0"/>
+              <a:t>NFA: easy </a:t>
+            </a:r>
+            <a:r>
+              <a:rPr lang="de-DE" dirty="0" err="1"/>
+              <a:t>to</a:t>
+            </a:r>
+            <a:r>
+              <a:rPr lang="de-DE" dirty="0"/>
+              <a:t> </a:t>
+            </a:r>
+            <a:r>
+              <a:rPr lang="de-DE" dirty="0" err="1"/>
+              <a:t>use</a:t>
+            </a:r>
+            <a:endParaRPr lang="de-DE" dirty="0"/>
+          </a:p>
+          <a:p>
+            <a:r>
+              <a:rPr lang="de-DE" dirty="0"/>
+              <a:t>DOD: Möglichkeit, Produkte aus dem Warenkorb anzuzeigen, hinzuzufügen, und zu entfernen</a:t>
+            </a:r>
+          </a:p>
+          <a:p>
+            <a:endParaRPr lang="de-DE" dirty="0"/>
+          </a:p>
+        </p:txBody>
+      </p:sp>
+    </p:spTree>
+    <p:extLst>
+      <p:ext uri="{BB962C8B-B14F-4D97-AF65-F5344CB8AC3E}">
+        <p14:creationId xmlns:p14="http://schemas.microsoft.com/office/powerpoint/2010/main" val="445569847"/>
+      </p:ext>
+    </p:extLst>
+  </p:cSld>
+  <p:clrMapOvr>
+    <a:masterClrMapping/>
+  </p:clrMapOvr>
+</p:sld>
+</file>
+
+<file path=ppt/slides/slide11.xml><?xml version="1.0" encoding="utf-8"?>
+<p:sld xmlns:a="http://schemas.openxmlformats.org/drawingml/2006/main" xmlns:r="http://schemas.openxmlformats.org/officeDocument/2006/relationships" xmlns:p="http://schemas.openxmlformats.org/presentationml/2006/main">
+  <p:cSld>
+    <p:spTree>
+      <p:nvGrpSpPr>
+        <p:cNvPr id="1" name=""/>
+        <p:cNvGrpSpPr/>
+        <p:nvPr/>
+      </p:nvGrpSpPr>
+      <p:grpSpPr>
+        <a:xfrm>
+          <a:off x="0" y="0"/>
+          <a:ext cx="0" cy="0"/>
+          <a:chOff x="0" y="0"/>
+          <a:chExt cx="0" cy="0"/>
+        </a:xfrm>
+      </p:grpSpPr>
+      <p:sp>
+        <p:nvSpPr>
+          <p:cNvPr id="2" name="Titel 1">
+            <a:extLst>
+              <a:ext uri="{FF2B5EF4-FFF2-40B4-BE49-F238E27FC236}">
+                <a16:creationId xmlns:a16="http://schemas.microsoft.com/office/drawing/2014/main" id="{5C5B9E8B-64FB-4244-B743-2769084D9194}"/>
+              </a:ext>
+            </a:extLst>
+          </p:cNvPr>
+          <p:cNvSpPr>
+            <a:spLocks noGrp="1"/>
+          </p:cNvSpPr>
+          <p:nvPr>
+            <p:ph type="title"/>
+          </p:nvPr>
+        </p:nvSpPr>
+        <p:spPr/>
+        <p:txBody>
+          <a:bodyPr/>
+          <a:lstStyle/>
+          <a:p>
+            <a:r>
+              <a:rPr lang="de-DE" dirty="0"/>
+              <a:t>US3: Waren vermerken - Implementation</a:t>
+            </a:r>
+          </a:p>
+        </p:txBody>
+      </p:sp>
+      <p:sp>
+        <p:nvSpPr>
+          <p:cNvPr id="3" name="Inhaltsplatzhalter 2">
+            <a:extLst>
+              <a:ext uri="{FF2B5EF4-FFF2-40B4-BE49-F238E27FC236}">
+                <a16:creationId xmlns:a16="http://schemas.microsoft.com/office/drawing/2014/main" id="{D102A3AE-A6C7-43DE-921D-E31486724D63}"/>
+              </a:ext>
+            </a:extLst>
+          </p:cNvPr>
+          <p:cNvSpPr>
+            <a:spLocks noGrp="1"/>
+          </p:cNvSpPr>
+          <p:nvPr>
+            <p:ph idx="1"/>
+          </p:nvPr>
+        </p:nvSpPr>
+        <p:spPr/>
+        <p:txBody>
+          <a:bodyPr/>
+          <a:lstStyle/>
+          <a:p>
+            <a:r>
+              <a:rPr lang="de-DE" dirty="0"/>
+              <a:t>Lokale DB für vermerkte Produkte </a:t>
+            </a:r>
+          </a:p>
+          <a:p>
+            <a:r>
+              <a:rPr lang="de-DE" dirty="0"/>
+              <a:t>Oben links Button für Warenkorbanzeige</a:t>
+            </a:r>
+          </a:p>
+          <a:p>
+            <a:r>
+              <a:rPr lang="de-DE" dirty="0"/>
+              <a:t>Button bei Warendetails zum hzfg</a:t>
+            </a:r>
+          </a:p>
+          <a:p>
+            <a:r>
+              <a:rPr lang="de-DE" dirty="0"/>
+              <a:t>Warenkorb – Seite</a:t>
+            </a:r>
+          </a:p>
+          <a:p>
+            <a:endParaRPr lang="de-DE" dirty="0"/>
+          </a:p>
+          <a:p>
+            <a:r>
+              <a:rPr lang="de-DE" dirty="0">
+                <a:solidFill>
+                  <a:srgbClr val="FF0000"/>
+                </a:solidFill>
+              </a:rPr>
+              <a:t>Hier einfügen: </a:t>
+            </a:r>
+            <a:r>
+              <a:rPr lang="de-DE" dirty="0" err="1">
+                <a:solidFill>
+                  <a:srgbClr val="FF0000"/>
+                </a:solidFill>
+              </a:rPr>
+              <a:t>ss</a:t>
+            </a:r>
+            <a:r>
+              <a:rPr lang="de-DE" dirty="0">
+                <a:solidFill>
+                  <a:srgbClr val="FF0000"/>
+                </a:solidFill>
+              </a:rPr>
+              <a:t> von </a:t>
+            </a:r>
+            <a:r>
+              <a:rPr lang="de-DE" dirty="0" err="1">
+                <a:solidFill>
+                  <a:srgbClr val="FF0000"/>
+                </a:solidFill>
+              </a:rPr>
+              <a:t>warenkorb</a:t>
+            </a:r>
+            <a:endParaRPr lang="de-DE" dirty="0">
+              <a:solidFill>
+                <a:srgbClr val="FF0000"/>
+              </a:solidFill>
+            </a:endParaRPr>
+          </a:p>
+        </p:txBody>
+      </p:sp>
+    </p:spTree>
+    <p:extLst>
+      <p:ext uri="{BB962C8B-B14F-4D97-AF65-F5344CB8AC3E}">
+        <p14:creationId xmlns:p14="http://schemas.microsoft.com/office/powerpoint/2010/main" val="121119970"/>
+      </p:ext>
+    </p:extLst>
+  </p:cSld>
+  <p:clrMapOvr>
+    <a:masterClrMapping/>
+  </p:clrMapOvr>
+</p:sld>
+</file>
+
+<file path=ppt/slides/slide12.xml><?xml version="1.0" encoding="utf-8"?>
+<p:sld xmlns:a="http://schemas.openxmlformats.org/drawingml/2006/main" xmlns:r="http://schemas.openxmlformats.org/officeDocument/2006/relationships" xmlns:p="http://schemas.openxmlformats.org/presentationml/2006/main">
+  <p:cSld>
+    <p:spTree>
+      <p:nvGrpSpPr>
+        <p:cNvPr id="1" name=""/>
+        <p:cNvGrpSpPr/>
+        <p:nvPr/>
+      </p:nvGrpSpPr>
+      <p:grpSpPr>
+        <a:xfrm>
+          <a:off x="0" y="0"/>
+          <a:ext cx="0" cy="0"/>
+          <a:chOff x="0" y="0"/>
+          <a:chExt cx="0" cy="0"/>
+        </a:xfrm>
+      </p:grpSpPr>
+      <p:sp>
+        <p:nvSpPr>
+          <p:cNvPr id="2" name="Titel 1">
+            <a:extLst>
+              <a:ext uri="{FF2B5EF4-FFF2-40B4-BE49-F238E27FC236}">
+                <a16:creationId xmlns:a16="http://schemas.microsoft.com/office/drawing/2014/main" id="{E451C3E0-1CA8-4DC9-91DA-47115AC174F1}"/>
+              </a:ext>
+            </a:extLst>
+          </p:cNvPr>
+          <p:cNvSpPr>
+            <a:spLocks noGrp="1"/>
+          </p:cNvSpPr>
+          <p:nvPr>
+            <p:ph type="title"/>
+          </p:nvPr>
+        </p:nvSpPr>
+        <p:spPr/>
+        <p:txBody>
+          <a:bodyPr/>
+          <a:lstStyle/>
+          <a:p>
+            <a:r>
+              <a:rPr lang="de-DE" dirty="0"/>
+              <a:t>US3: Waren vermerken - Code</a:t>
+            </a:r>
+          </a:p>
+        </p:txBody>
+      </p:sp>
+      <p:sp>
+        <p:nvSpPr>
+          <p:cNvPr id="3" name="Inhaltsplatzhalter 2">
+            <a:extLst>
+              <a:ext uri="{FF2B5EF4-FFF2-40B4-BE49-F238E27FC236}">
+                <a16:creationId xmlns:a16="http://schemas.microsoft.com/office/drawing/2014/main" id="{52D6B833-BBA5-4F88-8786-64644A5A4E62}"/>
+              </a:ext>
+            </a:extLst>
+          </p:cNvPr>
+          <p:cNvSpPr>
+            <a:spLocks noGrp="1"/>
+          </p:cNvSpPr>
+          <p:nvPr>
+            <p:ph idx="1"/>
+          </p:nvPr>
+        </p:nvSpPr>
+        <p:spPr/>
+        <p:txBody>
+          <a:bodyPr/>
+          <a:lstStyle/>
+          <a:p>
+            <a:r>
+              <a:rPr lang="de-DE" dirty="0">
+                <a:solidFill>
+                  <a:srgbClr val="FF0000"/>
+                </a:solidFill>
+              </a:rPr>
+              <a:t>Hier einfügen: Fragment, </a:t>
+            </a:r>
+            <a:r>
+              <a:rPr lang="de-DE" dirty="0" err="1">
+                <a:solidFill>
+                  <a:srgbClr val="FF0000"/>
+                </a:solidFill>
+              </a:rPr>
+              <a:t>Db</a:t>
+            </a:r>
+            <a:endParaRPr lang="de-DE" dirty="0">
+              <a:solidFill>
+                <a:srgbClr val="FF0000"/>
+              </a:solidFill>
+            </a:endParaRPr>
+          </a:p>
+        </p:txBody>
+      </p:sp>
+    </p:spTree>
+    <p:extLst>
+      <p:ext uri="{BB962C8B-B14F-4D97-AF65-F5344CB8AC3E}">
+        <p14:creationId xmlns:p14="http://schemas.microsoft.com/office/powerpoint/2010/main" val="4199180581"/>
+      </p:ext>
+    </p:extLst>
+  </p:cSld>
+  <p:clrMapOvr>
+    <a:masterClrMapping/>
+  </p:clrMapOvr>
+</p:sld>
+</file>
+
+<file path=ppt/slides/slide13.xml><?xml version="1.0" encoding="utf-8"?>
+<p:sld xmlns:a="http://schemas.openxmlformats.org/drawingml/2006/main" xmlns:r="http://schemas.openxmlformats.org/officeDocument/2006/relationships" xmlns:p="http://schemas.openxmlformats.org/presentationml/2006/main">
+  <p:cSld>
+    <p:spTree>
+      <p:nvGrpSpPr>
+        <p:cNvPr id="1" name=""/>
+        <p:cNvGrpSpPr/>
+        <p:nvPr/>
+      </p:nvGrpSpPr>
+      <p:grpSpPr>
+        <a:xfrm>
+          <a:off x="0" y="0"/>
+          <a:ext cx="0" cy="0"/>
+          <a:chOff x="0" y="0"/>
+          <a:chExt cx="0" cy="0"/>
+        </a:xfrm>
+      </p:grpSpPr>
+      <p:sp>
+        <p:nvSpPr>
+          <p:cNvPr id="2" name="Titel 1">
+            <a:extLst>
+              <a:ext uri="{FF2B5EF4-FFF2-40B4-BE49-F238E27FC236}">
+                <a16:creationId xmlns:a16="http://schemas.microsoft.com/office/drawing/2014/main" id="{22E1C0FF-0E57-4B2F-A9AC-C274C1DFA62A}"/>
+              </a:ext>
+            </a:extLst>
+          </p:cNvPr>
+          <p:cNvSpPr>
+            <a:spLocks noGrp="1"/>
+          </p:cNvSpPr>
+          <p:nvPr>
+            <p:ph type="title"/>
+          </p:nvPr>
+        </p:nvSpPr>
+        <p:spPr/>
+        <p:txBody>
+          <a:bodyPr/>
+          <a:lstStyle/>
+          <a:p>
+            <a:r>
+              <a:rPr lang="de-DE" dirty="0"/>
+              <a:t>CLD:</a:t>
+            </a:r>
+          </a:p>
+        </p:txBody>
+      </p:sp>
+      <p:sp>
+        <p:nvSpPr>
+          <p:cNvPr id="3" name="Inhaltsplatzhalter 2">
+            <a:extLst>
+              <a:ext uri="{FF2B5EF4-FFF2-40B4-BE49-F238E27FC236}">
+                <a16:creationId xmlns:a16="http://schemas.microsoft.com/office/drawing/2014/main" id="{86438D46-E350-4434-B294-8F9875E5E5BC}"/>
+              </a:ext>
+            </a:extLst>
+          </p:cNvPr>
+          <p:cNvSpPr>
+            <a:spLocks noGrp="1"/>
+          </p:cNvSpPr>
+          <p:nvPr>
+            <p:ph idx="1"/>
+          </p:nvPr>
+        </p:nvSpPr>
+        <p:spPr/>
+        <p:txBody>
+          <a:bodyPr/>
+          <a:lstStyle/>
+          <a:p>
+            <a:r>
+              <a:rPr lang="de-DE" dirty="0" err="1">
+                <a:solidFill>
+                  <a:srgbClr val="FF0000"/>
+                </a:solidFill>
+              </a:rPr>
+              <a:t>Cld</a:t>
+            </a:r>
+            <a:r>
+              <a:rPr lang="de-DE" dirty="0">
+                <a:solidFill>
+                  <a:srgbClr val="FF0000"/>
+                </a:solidFill>
+              </a:rPr>
+              <a:t> einfügen</a:t>
+            </a:r>
+          </a:p>
+        </p:txBody>
+      </p:sp>
+    </p:spTree>
+    <p:extLst>
+      <p:ext uri="{BB962C8B-B14F-4D97-AF65-F5344CB8AC3E}">
+        <p14:creationId xmlns:p14="http://schemas.microsoft.com/office/powerpoint/2010/main" val="2263765725"/>
+      </p:ext>
+    </p:extLst>
+  </p:cSld>
+  <p:clrMapOvr>
+    <a:masterClrMapping/>
+  </p:clrMapOvr>
+</p:sld>
+</file>
+
+<file path=ppt/slides/slide14.xml><?xml version="1.0" encoding="utf-8"?>
+<p:sld xmlns:a="http://schemas.openxmlformats.org/drawingml/2006/main" xmlns:r="http://schemas.openxmlformats.org/officeDocument/2006/relationships" xmlns:p="http://schemas.openxmlformats.org/presentationml/2006/main">
+  <p:cSld>
+    <p:spTree>
+      <p:nvGrpSpPr>
+        <p:cNvPr id="1" name=""/>
+        <p:cNvGrpSpPr/>
+        <p:nvPr/>
+      </p:nvGrpSpPr>
+      <p:grpSpPr>
+        <a:xfrm>
+          <a:off x="0" y="0"/>
+          <a:ext cx="0" cy="0"/>
+          <a:chOff x="0" y="0"/>
+          <a:chExt cx="0" cy="0"/>
+        </a:xfrm>
+      </p:grpSpPr>
+      <p:sp>
+        <p:nvSpPr>
+          <p:cNvPr id="2" name="Titel 1">
+            <a:extLst>
+              <a:ext uri="{FF2B5EF4-FFF2-40B4-BE49-F238E27FC236}">
+                <a16:creationId xmlns:a16="http://schemas.microsoft.com/office/drawing/2014/main" id="{0B8E2DCB-D0C6-4A7D-A5CB-70EFF307583D}"/>
+              </a:ext>
+            </a:extLst>
+          </p:cNvPr>
+          <p:cNvSpPr>
+            <a:spLocks noGrp="1"/>
+          </p:cNvSpPr>
+          <p:nvPr>
+            <p:ph type="title"/>
+          </p:nvPr>
+        </p:nvSpPr>
+        <p:spPr/>
+        <p:txBody>
+          <a:bodyPr/>
+          <a:lstStyle/>
+          <a:p>
+            <a:r>
+              <a:rPr lang="de-DE" dirty="0" err="1"/>
+              <a:t>Entities</a:t>
+            </a:r>
+            <a:r>
+              <a:rPr lang="de-DE" dirty="0"/>
+              <a:t>:</a:t>
+            </a:r>
+          </a:p>
+        </p:txBody>
+      </p:sp>
+      <p:pic>
+        <p:nvPicPr>
+          <p:cNvPr id="5" name="Inhaltsplatzhalter 4">
+            <a:extLst>
+              <a:ext uri="{FF2B5EF4-FFF2-40B4-BE49-F238E27FC236}">
+                <a16:creationId xmlns:a16="http://schemas.microsoft.com/office/drawing/2014/main" id="{C15E3ED1-B12A-4E90-9F2D-C28C71E9232F}"/>
+              </a:ext>
+            </a:extLst>
+          </p:cNvPr>
+          <p:cNvPicPr>
+            <a:picLocks noGrp="1" noChangeAspect="1"/>
+          </p:cNvPicPr>
+          <p:nvPr>
+            <p:ph idx="1"/>
+          </p:nvPr>
+        </p:nvPicPr>
+        <p:blipFill>
+          <a:blip r:embed="rId2">
+            <a:extLst>
+              <a:ext uri="{28A0092B-C50C-407E-A947-70E740481C1C}">
+                <a14:useLocalDpi xmlns:a14="http://schemas.microsoft.com/office/drawing/2010/main" val="0"/>
+              </a:ext>
+            </a:extLst>
+          </a:blip>
+          <a:stretch>
+            <a:fillRect/>
+          </a:stretch>
+        </p:blipFill>
+        <p:spPr>
+          <a:xfrm>
+            <a:off x="2733675" y="2178408"/>
+            <a:ext cx="4059827" cy="4178534"/>
+          </a:xfrm>
+        </p:spPr>
+      </p:pic>
+    </p:spTree>
+    <p:extLst>
+      <p:ext uri="{BB962C8B-B14F-4D97-AF65-F5344CB8AC3E}">
+        <p14:creationId xmlns:p14="http://schemas.microsoft.com/office/powerpoint/2010/main" val="1100526752"/>
+      </p:ext>
+    </p:extLst>
+  </p:cSld>
+  <p:clrMapOvr>
+    <a:masterClrMapping/>
+  </p:clrMapOvr>
+</p:sld>
+</file>
+
 <file path=ppt/slides/slide2.xml><?xml version="1.0" encoding="utf-8"?>
 <p:sld xmlns:a="http://schemas.openxmlformats.org/drawingml/2006/main" xmlns:r="http://schemas.openxmlformats.org/officeDocument/2006/relationships" xmlns:p="http://schemas.openxmlformats.org/presentationml/2006/main">
   <p:cSld>
@@ -6412,9 +6992,37 @@
             </a:r>
           </a:p>
           <a:p>
+            <a:pPr marL="0" indent="0">
+              <a:buNone/>
+            </a:pPr>
             <a:r>
               <a:rPr lang="de-DE" dirty="0"/>
-              <a:t>(MainFragment, mainFragment.xml, DataService)</a:t>
+              <a:t>	(MainFragment, mainFragment.xml, </a:t>
+            </a:r>
+            <a:r>
+              <a:rPr lang="de-DE" dirty="0" err="1"/>
+              <a:t>DataService</a:t>
+            </a:r>
+            <a:r>
+              <a:rPr lang="de-DE" dirty="0"/>
+              <a:t>,</a:t>
+            </a:r>
+          </a:p>
+          <a:p>
+            <a:pPr marL="0" indent="0">
+              <a:buNone/>
+            </a:pPr>
+            <a:r>
+              <a:rPr lang="de-DE" dirty="0"/>
+              <a:t>	Adapter, Decorator, </a:t>
+            </a:r>
+            <a:r>
+              <a:rPr lang="de-DE" dirty="0" err="1"/>
+              <a:t>ViewHolder</a:t>
+            </a:r>
+            <a:r>
+              <a:rPr lang="de-DE" dirty="0"/>
+              <a:t>, Entity)</a:t>
             </a:r>
           </a:p>
           <a:p>
@@ -6506,7 +7114,7 @@
           <p:cNvPr id="2" name="Titel 1">
             <a:extLst>
               <a:ext uri="{FF2B5EF4-FFF2-40B4-BE49-F238E27FC236}">
-                <a16:creationId xmlns:a16="http://schemas.microsoft.com/office/drawing/2014/main" id="{98E48368-76BC-404B-994E-CB4C4C9A9559}"/>
+                <a16:creationId xmlns:a16="http://schemas.microsoft.com/office/drawing/2014/main" id="{0656ABFC-C1DB-463D-9977-39C1909BCFC3}"/>
               </a:ext>
             </a:extLst>
           </p:cNvPr>
@@ -6524,64 +7132,86 @@
           <a:p>
             <a:r>
               <a:rPr lang="de-DE" dirty="0"/>
-              <a:t>US2: Warendetails anzeigen - Backlog</a:t>
-            </a:r>
-          </a:p>
-        </p:txBody>
-      </p:sp>
-      <p:sp>
-        <p:nvSpPr>
-          <p:cNvPr id="3" name="Inhaltsplatzhalter 2">
+              <a:t>US1: Waren anzeigen - Code</a:t>
+            </a:r>
+          </a:p>
+        </p:txBody>
+      </p:sp>
+      <p:pic>
+        <p:nvPicPr>
+          <p:cNvPr id="7" name="Grafik 6">
             <a:extLst>
               <a:ext uri="{FF2B5EF4-FFF2-40B4-BE49-F238E27FC236}">
-                <a16:creationId xmlns:a16="http://schemas.microsoft.com/office/drawing/2014/main" id="{B7D2B553-BF48-40FC-901F-16758325AD32}"/>
+                <a16:creationId xmlns:a16="http://schemas.microsoft.com/office/drawing/2014/main" id="{956AFC53-B0EC-406E-A857-65C220D3B34F}"/>
               </a:ext>
             </a:extLst>
           </p:cNvPr>
-          <p:cNvSpPr>
-            <a:spLocks noGrp="1"/>
-          </p:cNvSpPr>
+          <p:cNvPicPr>
+            <a:picLocks noChangeAspect="1"/>
+          </p:cNvPicPr>
+          <p:nvPr/>
+        </p:nvPicPr>
+        <p:blipFill>
+          <a:blip r:embed="rId2">
+            <a:extLst>
+              <a:ext uri="{28A0092B-C50C-407E-A947-70E740481C1C}">
+                <a14:useLocalDpi xmlns:a14="http://schemas.microsoft.com/office/drawing/2010/main" val="0"/>
+              </a:ext>
+            </a:extLst>
+          </a:blip>
+          <a:stretch>
+            <a:fillRect/>
+          </a:stretch>
+        </p:blipFill>
+        <p:spPr>
+          <a:xfrm>
+            <a:off x="178762" y="1270000"/>
+            <a:ext cx="6993563" cy="5098222"/>
+          </a:xfrm>
+          <a:prstGeom prst="rect">
+            <a:avLst/>
+          </a:prstGeom>
+        </p:spPr>
+      </p:pic>
+      <p:pic>
+        <p:nvPicPr>
+          <p:cNvPr id="11" name="Inhaltsplatzhalter 10">
+            <a:extLst>
+              <a:ext uri="{FF2B5EF4-FFF2-40B4-BE49-F238E27FC236}">
+                <a16:creationId xmlns:a16="http://schemas.microsoft.com/office/drawing/2014/main" id="{5812C27D-5B9C-4E3C-A3A2-B1FE84C18916}"/>
+              </a:ext>
+            </a:extLst>
+          </p:cNvPr>
+          <p:cNvPicPr>
+            <a:picLocks noGrp="1" noChangeAspect="1"/>
+          </p:cNvPicPr>
           <p:nvPr>
             <p:ph idx="1"/>
           </p:nvPr>
-        </p:nvSpPr>
-        <p:spPr/>
-        <p:txBody>
-          <a:bodyPr/>
-          <a:lstStyle/>
-          <a:p>
-            <a:r>
-              <a:rPr lang="de-DE" dirty="0"/>
-              <a:t>Aufgabenstellung: Bei Klick neues Fenster mit Details</a:t>
-            </a:r>
-          </a:p>
-          <a:p>
-            <a:r>
-              <a:rPr lang="de-DE" dirty="0"/>
-              <a:t>FA: Waren mit Name, Bild, Preis, Description, verfügbarer Menge anzeigen</a:t>
-            </a:r>
-          </a:p>
-          <a:p>
-            <a:r>
-              <a:rPr lang="de-DE" dirty="0"/>
-              <a:t>NFA: -</a:t>
-            </a:r>
-          </a:p>
-          <a:p>
-            <a:r>
-              <a:rPr lang="de-DE" dirty="0"/>
-              <a:t>DOD: Bei Klick auf Produkt Details anzeigen</a:t>
-            </a:r>
-          </a:p>
-          <a:p>
-            <a:endParaRPr lang="de-DE" dirty="0"/>
-          </a:p>
-        </p:txBody>
-      </p:sp>
+        </p:nvPicPr>
+        <p:blipFill>
+          <a:blip r:embed="rId3">
+            <a:extLst>
+              <a:ext uri="{28A0092B-C50C-407E-A947-70E740481C1C}">
+                <a14:useLocalDpi xmlns:a14="http://schemas.microsoft.com/office/drawing/2010/main" val="0"/>
+              </a:ext>
+            </a:extLst>
+          </a:blip>
+          <a:stretch>
+            <a:fillRect/>
+          </a:stretch>
+        </p:blipFill>
+        <p:spPr>
+          <a:xfrm>
+            <a:off x="7172325" y="1270000"/>
+            <a:ext cx="5250953" cy="5221287"/>
+          </a:xfrm>
+        </p:spPr>
+      </p:pic>
     </p:spTree>
     <p:extLst>
       <p:ext uri="{BB962C8B-B14F-4D97-AF65-F5344CB8AC3E}">
-        <p14:creationId xmlns:p14="http://schemas.microsoft.com/office/powerpoint/2010/main" val="2851625147"/>
+        <p14:creationId xmlns:p14="http://schemas.microsoft.com/office/powerpoint/2010/main" val="3422069543"/>
       </p:ext>
     </p:extLst>
   </p:cSld>
@@ -6613,6 +7243,113 @@
           <p:cNvPr id="2" name="Titel 1">
             <a:extLst>
               <a:ext uri="{FF2B5EF4-FFF2-40B4-BE49-F238E27FC236}">
+                <a16:creationId xmlns:a16="http://schemas.microsoft.com/office/drawing/2014/main" id="{98E48368-76BC-404B-994E-CB4C4C9A9559}"/>
+              </a:ext>
+            </a:extLst>
+          </p:cNvPr>
+          <p:cNvSpPr>
+            <a:spLocks noGrp="1"/>
+          </p:cNvSpPr>
+          <p:nvPr>
+            <p:ph type="title"/>
+          </p:nvPr>
+        </p:nvSpPr>
+        <p:spPr/>
+        <p:txBody>
+          <a:bodyPr/>
+          <a:lstStyle/>
+          <a:p>
+            <a:r>
+              <a:rPr lang="de-DE" dirty="0"/>
+              <a:t>US2: Warendetails anzeigen - Backlog</a:t>
+            </a:r>
+          </a:p>
+        </p:txBody>
+      </p:sp>
+      <p:sp>
+        <p:nvSpPr>
+          <p:cNvPr id="3" name="Inhaltsplatzhalter 2">
+            <a:extLst>
+              <a:ext uri="{FF2B5EF4-FFF2-40B4-BE49-F238E27FC236}">
+                <a16:creationId xmlns:a16="http://schemas.microsoft.com/office/drawing/2014/main" id="{B7D2B553-BF48-40FC-901F-16758325AD32}"/>
+              </a:ext>
+            </a:extLst>
+          </p:cNvPr>
+          <p:cNvSpPr>
+            <a:spLocks noGrp="1"/>
+          </p:cNvSpPr>
+          <p:nvPr>
+            <p:ph idx="1"/>
+          </p:nvPr>
+        </p:nvSpPr>
+        <p:spPr/>
+        <p:txBody>
+          <a:bodyPr/>
+          <a:lstStyle/>
+          <a:p>
+            <a:r>
+              <a:rPr lang="de-DE" dirty="0"/>
+              <a:t>Aufgabenstellung: Bei Klick neues Fenster mit Details</a:t>
+            </a:r>
+          </a:p>
+          <a:p>
+            <a:r>
+              <a:rPr lang="de-DE" dirty="0"/>
+              <a:t>FA: Waren mit Name, Bild, Preis, Description, verfügbarer Menge anzeigen</a:t>
+            </a:r>
+          </a:p>
+          <a:p>
+            <a:r>
+              <a:rPr lang="de-DE" dirty="0"/>
+              <a:t>NFA: -</a:t>
+            </a:r>
+          </a:p>
+          <a:p>
+            <a:r>
+              <a:rPr lang="de-DE" dirty="0"/>
+              <a:t>DOD: Bei Klick auf Produkt Details anzeigen</a:t>
+            </a:r>
+          </a:p>
+          <a:p>
+            <a:endParaRPr lang="de-DE" dirty="0"/>
+          </a:p>
+        </p:txBody>
+      </p:sp>
+    </p:spTree>
+    <p:extLst>
+      <p:ext uri="{BB962C8B-B14F-4D97-AF65-F5344CB8AC3E}">
+        <p14:creationId xmlns:p14="http://schemas.microsoft.com/office/powerpoint/2010/main" val="2851625147"/>
+      </p:ext>
+    </p:extLst>
+  </p:cSld>
+  <p:clrMapOvr>
+    <a:masterClrMapping/>
+  </p:clrMapOvr>
+</p:sld>
+</file>
+
+<file path=ppt/slides/slide8.xml><?xml version="1.0" encoding="utf-8"?>
+<p:sld xmlns:a="http://schemas.openxmlformats.org/drawingml/2006/main" xmlns:r="http://schemas.openxmlformats.org/officeDocument/2006/relationships" xmlns:p="http://schemas.openxmlformats.org/presentationml/2006/main">
+  <p:cSld>
+    <p:spTree>
+      <p:nvGrpSpPr>
+        <p:cNvPr id="1" name=""/>
+        <p:cNvGrpSpPr/>
+        <p:nvPr/>
+      </p:nvGrpSpPr>
+      <p:grpSpPr>
+        <a:xfrm>
+          <a:off x="0" y="0"/>
+          <a:ext cx="0" cy="0"/>
+          <a:chOff x="0" y="0"/>
+          <a:chExt cx="0" cy="0"/>
+        </a:xfrm>
+      </p:grpSpPr>
+      <p:sp>
+        <p:nvSpPr>
+          <p:cNvPr id="2" name="Titel 1">
+            <a:extLst>
+              <a:ext uri="{FF2B5EF4-FFF2-40B4-BE49-F238E27FC236}">
                 <a16:creationId xmlns:a16="http://schemas.microsoft.com/office/drawing/2014/main" id="{F0884609-2767-4A4B-AF02-3E098816AE5E}"/>
               </a:ext>
             </a:extLst>
@@ -6664,15 +7401,7 @@
           <a:p>
             <a:r>
               <a:rPr lang="de-DE" dirty="0"/>
-              <a:t>Server: </a:t>
-            </a:r>
-            <a:r>
-              <a:rPr lang="de-DE" dirty="0" err="1"/>
-              <a:t>hzfg</a:t>
-            </a:r>
-            <a:r>
-              <a:rPr lang="de-DE" dirty="0"/>
-              <a:t> von </a:t>
+              <a:t>Server: hzfg von </a:t>
             </a:r>
             <a:r>
               <a:rPr lang="de-DE" dirty="0" err="1"/>
@@ -6686,15 +7415,7 @@
           <a:p>
             <a:r>
               <a:rPr lang="de-DE" dirty="0"/>
-              <a:t>App: </a:t>
-            </a:r>
-            <a:r>
-              <a:rPr lang="de-DE" dirty="0" err="1"/>
-              <a:t>hzfg</a:t>
-            </a:r>
-            <a:r>
-              <a:rPr lang="de-DE" dirty="0"/>
-              <a:t> eines neuen </a:t>
+              <a:t>App: hzfg eines neuen </a:t>
             </a:r>
             <a:r>
               <a:rPr lang="de-DE" dirty="0" err="1"/>
@@ -6702,7 +7423,7 @@
             </a:r>
             <a:r>
               <a:rPr lang="de-DE" dirty="0"/>
-              <a:t> </a:t>
+              <a:t>,</a:t>
             </a:r>
             <a:br>
               <a:rPr lang="de-DE" dirty="0"/>
@@ -6756,6 +7477,99 @@
     <p:extLst>
       <p:ext uri="{BB962C8B-B14F-4D97-AF65-F5344CB8AC3E}">
         <p14:creationId xmlns:p14="http://schemas.microsoft.com/office/powerpoint/2010/main" val="301818274"/>
+      </p:ext>
+    </p:extLst>
+  </p:cSld>
+  <p:clrMapOvr>
+    <a:masterClrMapping/>
+  </p:clrMapOvr>
+</p:sld>
+</file>
+
+<file path=ppt/slides/slide9.xml><?xml version="1.0" encoding="utf-8"?>
+<p:sld xmlns:a="http://schemas.openxmlformats.org/drawingml/2006/main" xmlns:r="http://schemas.openxmlformats.org/officeDocument/2006/relationships" xmlns:p="http://schemas.openxmlformats.org/presentationml/2006/main">
+  <p:cSld>
+    <p:spTree>
+      <p:nvGrpSpPr>
+        <p:cNvPr id="1" name=""/>
+        <p:cNvGrpSpPr/>
+        <p:nvPr/>
+      </p:nvGrpSpPr>
+      <p:grpSpPr>
+        <a:xfrm>
+          <a:off x="0" y="0"/>
+          <a:ext cx="0" cy="0"/>
+          <a:chOff x="0" y="0"/>
+          <a:chExt cx="0" cy="0"/>
+        </a:xfrm>
+      </p:grpSpPr>
+      <p:sp>
+        <p:nvSpPr>
+          <p:cNvPr id="2" name="Titel 1">
+            <a:extLst>
+              <a:ext uri="{FF2B5EF4-FFF2-40B4-BE49-F238E27FC236}">
+                <a16:creationId xmlns:a16="http://schemas.microsoft.com/office/drawing/2014/main" id="{F7DDE21C-9816-434B-A9B0-F608EEFA8F94}"/>
+              </a:ext>
+            </a:extLst>
+          </p:cNvPr>
+          <p:cNvSpPr>
+            <a:spLocks noGrp="1"/>
+          </p:cNvSpPr>
+          <p:nvPr>
+            <p:ph type="title"/>
+          </p:nvPr>
+        </p:nvSpPr>
+        <p:spPr/>
+        <p:txBody>
+          <a:bodyPr/>
+          <a:lstStyle/>
+          <a:p>
+            <a:r>
+              <a:rPr lang="de-DE" dirty="0"/>
+              <a:t>US2: Warendetails anzeigen - Code</a:t>
+            </a:r>
+          </a:p>
+        </p:txBody>
+      </p:sp>
+      <p:pic>
+        <p:nvPicPr>
+          <p:cNvPr id="5" name="Inhaltsplatzhalter 4">
+            <a:extLst>
+              <a:ext uri="{FF2B5EF4-FFF2-40B4-BE49-F238E27FC236}">
+                <a16:creationId xmlns:a16="http://schemas.microsoft.com/office/drawing/2014/main" id="{A0C09AB2-3E41-4A86-85AD-66767B622A32}"/>
+              </a:ext>
+            </a:extLst>
+          </p:cNvPr>
+          <p:cNvPicPr>
+            <a:picLocks noGrp="1" noChangeAspect="1"/>
+          </p:cNvPicPr>
+          <p:nvPr>
+            <p:ph idx="1"/>
+          </p:nvPr>
+        </p:nvPicPr>
+        <p:blipFill>
+          <a:blip r:embed="rId2">
+            <a:extLst>
+              <a:ext uri="{28A0092B-C50C-407E-A947-70E740481C1C}">
+                <a14:useLocalDpi xmlns:a14="http://schemas.microsoft.com/office/drawing/2010/main" val="0"/>
+              </a:ext>
+            </a:extLst>
+          </a:blip>
+          <a:stretch>
+            <a:fillRect/>
+          </a:stretch>
+        </p:blipFill>
+        <p:spPr>
+          <a:xfrm>
+            <a:off x="904875" y="1343026"/>
+            <a:ext cx="7633601" cy="5318126"/>
+          </a:xfrm>
+        </p:spPr>
+      </p:pic>
+    </p:spTree>
+    <p:extLst>
+      <p:ext uri="{BB962C8B-B14F-4D97-AF65-F5344CB8AC3E}">
+        <p14:creationId xmlns:p14="http://schemas.microsoft.com/office/powerpoint/2010/main" val="2512948661"/>
       </p:ext>
     </p:extLst>
   </p:cSld>

--- a/Organisatorisches/Presentations/Presentation_WS.pptx
+++ b/Organisatorisches/Presentations/Presentation_WS.pptx
@@ -7,18 +7,20 @@
   <p:sldIdLst>
     <p:sldId id="256" r:id="rId2"/>
     <p:sldId id="257" r:id="rId3"/>
-    <p:sldId id="258" r:id="rId4"/>
-    <p:sldId id="259" r:id="rId5"/>
-    <p:sldId id="260" r:id="rId6"/>
-    <p:sldId id="265" r:id="rId7"/>
-    <p:sldId id="261" r:id="rId8"/>
-    <p:sldId id="262" r:id="rId9"/>
-    <p:sldId id="266" r:id="rId10"/>
-    <p:sldId id="263" r:id="rId11"/>
-    <p:sldId id="264" r:id="rId12"/>
-    <p:sldId id="267" r:id="rId13"/>
-    <p:sldId id="268" r:id="rId14"/>
-    <p:sldId id="269" r:id="rId15"/>
+    <p:sldId id="270" r:id="rId4"/>
+    <p:sldId id="258" r:id="rId5"/>
+    <p:sldId id="259" r:id="rId6"/>
+    <p:sldId id="260" r:id="rId7"/>
+    <p:sldId id="265" r:id="rId8"/>
+    <p:sldId id="261" r:id="rId9"/>
+    <p:sldId id="262" r:id="rId10"/>
+    <p:sldId id="266" r:id="rId11"/>
+    <p:sldId id="263" r:id="rId12"/>
+    <p:sldId id="264" r:id="rId13"/>
+    <p:sldId id="267" r:id="rId14"/>
+    <p:sldId id="268" r:id="rId15"/>
+    <p:sldId id="271" r:id="rId16"/>
+    <p:sldId id="269" r:id="rId17"/>
   </p:sldIdLst>
   <p:sldSz cx="12192000" cy="6858000"/>
   <p:notesSz cx="6858000" cy="9144000"/>
@@ -851,7 +853,7 @@
           <a:p>
             <a:fld id="{4383910D-B7D0-4012-AB06-4A428505BDD8}" type="datetimeFigureOut">
               <a:rPr lang="de-DE" smtClean="0"/>
-              <a:t>29.01.2018</a:t>
+              <a:t>05.02.2018</a:t>
             </a:fld>
             <a:endParaRPr lang="de-DE"/>
           </a:p>
@@ -1102,7 +1104,7 @@
           <a:p>
             <a:fld id="{4383910D-B7D0-4012-AB06-4A428505BDD8}" type="datetimeFigureOut">
               <a:rPr lang="de-DE" smtClean="0"/>
-              <a:t>29.01.2018</a:t>
+              <a:t>05.02.2018</a:t>
             </a:fld>
             <a:endParaRPr lang="de-DE"/>
           </a:p>
@@ -1416,7 +1418,7 @@
           <a:p>
             <a:fld id="{4383910D-B7D0-4012-AB06-4A428505BDD8}" type="datetimeFigureOut">
               <a:rPr lang="de-DE" smtClean="0"/>
-              <a:t>29.01.2018</a:t>
+              <a:t>05.02.2018</a:t>
             </a:fld>
             <a:endParaRPr lang="de-DE"/>
           </a:p>
@@ -1757,7 +1759,7 @@
           <a:p>
             <a:fld id="{4383910D-B7D0-4012-AB06-4A428505BDD8}" type="datetimeFigureOut">
               <a:rPr lang="de-DE" smtClean="0"/>
-              <a:t>29.01.2018</a:t>
+              <a:t>05.02.2018</a:t>
             </a:fld>
             <a:endParaRPr lang="de-DE"/>
           </a:p>
@@ -2071,7 +2073,7 @@
           <a:p>
             <a:fld id="{4383910D-B7D0-4012-AB06-4A428505BDD8}" type="datetimeFigureOut">
               <a:rPr lang="de-DE" smtClean="0"/>
-              <a:t>29.01.2018</a:t>
+              <a:t>05.02.2018</a:t>
             </a:fld>
             <a:endParaRPr lang="de-DE"/>
           </a:p>
@@ -2464,7 +2466,7 @@
           <a:p>
             <a:fld id="{4383910D-B7D0-4012-AB06-4A428505BDD8}" type="datetimeFigureOut">
               <a:rPr lang="de-DE" smtClean="0"/>
-              <a:t>29.01.2018</a:t>
+              <a:t>05.02.2018</a:t>
             </a:fld>
             <a:endParaRPr lang="de-DE"/>
           </a:p>
@@ -2634,7 +2636,7 @@
           <a:p>
             <a:fld id="{4383910D-B7D0-4012-AB06-4A428505BDD8}" type="datetimeFigureOut">
               <a:rPr lang="de-DE" smtClean="0"/>
-              <a:t>29.01.2018</a:t>
+              <a:t>05.02.2018</a:t>
             </a:fld>
             <a:endParaRPr lang="de-DE"/>
           </a:p>
@@ -2814,7 +2816,7 @@
           <a:p>
             <a:fld id="{4383910D-B7D0-4012-AB06-4A428505BDD8}" type="datetimeFigureOut">
               <a:rPr lang="de-DE" smtClean="0"/>
-              <a:t>29.01.2018</a:t>
+              <a:t>05.02.2018</a:t>
             </a:fld>
             <a:endParaRPr lang="de-DE"/>
           </a:p>
@@ -2990,7 +2992,7 @@
           <a:p>
             <a:fld id="{4383910D-B7D0-4012-AB06-4A428505BDD8}" type="datetimeFigureOut">
               <a:rPr lang="de-DE" smtClean="0"/>
-              <a:t>29.01.2018</a:t>
+              <a:t>05.02.2018</a:t>
             </a:fld>
             <a:endParaRPr lang="de-DE"/>
           </a:p>
@@ -3237,7 +3239,7 @@
           <a:p>
             <a:fld id="{4383910D-B7D0-4012-AB06-4A428505BDD8}" type="datetimeFigureOut">
               <a:rPr lang="de-DE" smtClean="0"/>
-              <a:t>29.01.2018</a:t>
+              <a:t>05.02.2018</a:t>
             </a:fld>
             <a:endParaRPr lang="de-DE"/>
           </a:p>
@@ -3469,7 +3471,7 @@
           <a:p>
             <a:fld id="{4383910D-B7D0-4012-AB06-4A428505BDD8}" type="datetimeFigureOut">
               <a:rPr lang="de-DE" smtClean="0"/>
-              <a:t>29.01.2018</a:t>
+              <a:t>05.02.2018</a:t>
             </a:fld>
             <a:endParaRPr lang="de-DE"/>
           </a:p>
@@ -3843,7 +3845,7 @@
           <a:p>
             <a:fld id="{4383910D-B7D0-4012-AB06-4A428505BDD8}" type="datetimeFigureOut">
               <a:rPr lang="de-DE" smtClean="0"/>
-              <a:t>29.01.2018</a:t>
+              <a:t>05.02.2018</a:t>
             </a:fld>
             <a:endParaRPr lang="de-DE"/>
           </a:p>
@@ -3966,7 +3968,7 @@
           <a:p>
             <a:fld id="{4383910D-B7D0-4012-AB06-4A428505BDD8}" type="datetimeFigureOut">
               <a:rPr lang="de-DE" smtClean="0"/>
-              <a:t>29.01.2018</a:t>
+              <a:t>05.02.2018</a:t>
             </a:fld>
             <a:endParaRPr lang="de-DE"/>
           </a:p>
@@ -4061,7 +4063,7 @@
           <a:p>
             <a:fld id="{4383910D-B7D0-4012-AB06-4A428505BDD8}" type="datetimeFigureOut">
               <a:rPr lang="de-DE" smtClean="0"/>
-              <a:t>29.01.2018</a:t>
+              <a:t>05.02.2018</a:t>
             </a:fld>
             <a:endParaRPr lang="de-DE"/>
           </a:p>
@@ -4316,7 +4318,7 @@
           <a:p>
             <a:fld id="{4383910D-B7D0-4012-AB06-4A428505BDD8}" type="datetimeFigureOut">
               <a:rPr lang="de-DE" smtClean="0"/>
-              <a:t>29.01.2018</a:t>
+              <a:t>05.02.2018</a:t>
             </a:fld>
             <a:endParaRPr lang="de-DE"/>
           </a:p>
@@ -4579,7 +4581,7 @@
           <a:p>
             <a:fld id="{4383910D-B7D0-4012-AB06-4A428505BDD8}" type="datetimeFigureOut">
               <a:rPr lang="de-DE" smtClean="0"/>
-              <a:t>29.01.2018</a:t>
+              <a:t>05.02.2018</a:t>
             </a:fld>
             <a:endParaRPr lang="de-DE"/>
           </a:p>
@@ -5322,7 +5324,7 @@
           <a:p>
             <a:fld id="{4383910D-B7D0-4012-AB06-4A428505BDD8}" type="datetimeFigureOut">
               <a:rPr lang="de-DE" smtClean="0"/>
-              <a:t>29.01.2018</a:t>
+              <a:t>05.02.2018</a:t>
             </a:fld>
             <a:endParaRPr lang="de-DE"/>
           </a:p>
@@ -5904,7 +5906,7 @@
             <a:r>
               <a:rPr lang="de-DE" dirty="0">
                 <a:solidFill>
-                  <a:srgbClr val="FF0000"/>
+                  <a:schemeClr val="tx1"/>
                 </a:solidFill>
               </a:rPr>
               <a:t>Von Robin Gugel, Daniel Mazanek, Patrick Mistelberger, David Pointner, Oscar Yim</a:t>
@@ -5960,7 +5962,7 @@
         </p:blipFill>
         <p:spPr>
           <a:xfrm>
-            <a:off x="751522" y="521548"/>
+            <a:off x="1248671" y="713278"/>
             <a:ext cx="6097905" cy="1188720"/>
           </a:xfrm>
           <a:prstGeom prst="rect">
@@ -6003,7 +6005,7 @@
           <p:cNvPr id="2" name="Titel 1">
             <a:extLst>
               <a:ext uri="{FF2B5EF4-FFF2-40B4-BE49-F238E27FC236}">
-                <a16:creationId xmlns:a16="http://schemas.microsoft.com/office/drawing/2014/main" id="{B8AD9954-CB18-4D7C-9CC4-69B941D9ECF7}"/>
+                <a16:creationId xmlns:a16="http://schemas.microsoft.com/office/drawing/2014/main" id="{F7DDE21C-9816-434B-A9B0-F608EEFA8F94}"/>
               </a:ext>
             </a:extLst>
           </p:cNvPr>
@@ -6021,77 +6023,50 @@
           <a:p>
             <a:r>
               <a:rPr lang="de-DE" dirty="0"/>
-              <a:t>US3: Waren vermerken - Backlog</a:t>
-            </a:r>
-          </a:p>
-        </p:txBody>
-      </p:sp>
-      <p:sp>
-        <p:nvSpPr>
-          <p:cNvPr id="3" name="Inhaltsplatzhalter 2">
+              <a:t>US2: Warendetails anzeigen - Code</a:t>
+            </a:r>
+          </a:p>
+        </p:txBody>
+      </p:sp>
+      <p:pic>
+        <p:nvPicPr>
+          <p:cNvPr id="5" name="Inhaltsplatzhalter 4">
             <a:extLst>
               <a:ext uri="{FF2B5EF4-FFF2-40B4-BE49-F238E27FC236}">
-                <a16:creationId xmlns:a16="http://schemas.microsoft.com/office/drawing/2014/main" id="{8D9D7081-028C-4239-A22D-D0D1E0A84FFD}"/>
+                <a16:creationId xmlns:a16="http://schemas.microsoft.com/office/drawing/2014/main" id="{A0C09AB2-3E41-4A86-85AD-66767B622A32}"/>
               </a:ext>
             </a:extLst>
           </p:cNvPr>
-          <p:cNvSpPr>
-            <a:spLocks noGrp="1"/>
-          </p:cNvSpPr>
+          <p:cNvPicPr>
+            <a:picLocks noGrp="1" noChangeAspect="1"/>
+          </p:cNvPicPr>
           <p:nvPr>
             <p:ph idx="1"/>
           </p:nvPr>
-        </p:nvSpPr>
-        <p:spPr/>
-        <p:txBody>
-          <a:bodyPr/>
-          <a:lstStyle/>
-          <a:p>
-            <a:r>
-              <a:rPr lang="de-DE" dirty="0"/>
-              <a:t>Aufgabenstellung: zusätzlicher Menüpunkt Warenkorb</a:t>
-            </a:r>
-          </a:p>
-          <a:p>
-            <a:r>
-              <a:rPr lang="de-DE" dirty="0"/>
-              <a:t>FA: Produkte in Warenkorb einfügen + entfernen</a:t>
-            </a:r>
-          </a:p>
-          <a:p>
-            <a:r>
-              <a:rPr lang="de-DE" dirty="0"/>
-              <a:t>NFA: easy </a:t>
-            </a:r>
-            <a:r>
-              <a:rPr lang="de-DE" dirty="0" err="1"/>
-              <a:t>to</a:t>
-            </a:r>
-            <a:r>
-              <a:rPr lang="de-DE" dirty="0"/>
-              <a:t> </a:t>
-            </a:r>
-            <a:r>
-              <a:rPr lang="de-DE" dirty="0" err="1"/>
-              <a:t>use</a:t>
-            </a:r>
-            <a:endParaRPr lang="de-DE" dirty="0"/>
-          </a:p>
-          <a:p>
-            <a:r>
-              <a:rPr lang="de-DE" dirty="0"/>
-              <a:t>DOD: Möglichkeit, Produkte aus dem Warenkorb anzuzeigen, hinzuzufügen, und zu entfernen</a:t>
-            </a:r>
-          </a:p>
-          <a:p>
-            <a:endParaRPr lang="de-DE" dirty="0"/>
-          </a:p>
-        </p:txBody>
-      </p:sp>
+        </p:nvPicPr>
+        <p:blipFill>
+          <a:blip r:embed="rId2">
+            <a:extLst>
+              <a:ext uri="{28A0092B-C50C-407E-A947-70E740481C1C}">
+                <a14:useLocalDpi xmlns:a14="http://schemas.microsoft.com/office/drawing/2010/main" val="0"/>
+              </a:ext>
+            </a:extLst>
+          </a:blip>
+          <a:stretch>
+            <a:fillRect/>
+          </a:stretch>
+        </p:blipFill>
+        <p:spPr>
+          <a:xfrm>
+            <a:off x="904875" y="1343026"/>
+            <a:ext cx="7633601" cy="5318126"/>
+          </a:xfrm>
+        </p:spPr>
+      </p:pic>
     </p:spTree>
     <p:extLst>
       <p:ext uri="{BB962C8B-B14F-4D97-AF65-F5344CB8AC3E}">
-        <p14:creationId xmlns:p14="http://schemas.microsoft.com/office/powerpoint/2010/main" val="445569847"/>
+        <p14:creationId xmlns:p14="http://schemas.microsoft.com/office/powerpoint/2010/main" val="2512948661"/>
       </p:ext>
     </p:extLst>
   </p:cSld>
@@ -6123,7 +6098,7 @@
           <p:cNvPr id="2" name="Titel 1">
             <a:extLst>
               <a:ext uri="{FF2B5EF4-FFF2-40B4-BE49-F238E27FC236}">
-                <a16:creationId xmlns:a16="http://schemas.microsoft.com/office/drawing/2014/main" id="{5C5B9E8B-64FB-4244-B743-2769084D9194}"/>
+                <a16:creationId xmlns:a16="http://schemas.microsoft.com/office/drawing/2014/main" id="{B8AD9954-CB18-4D7C-9CC4-69B941D9ECF7}"/>
               </a:ext>
             </a:extLst>
           </p:cNvPr>
@@ -6141,7 +6116,7 @@
           <a:p>
             <a:r>
               <a:rPr lang="de-DE" dirty="0"/>
-              <a:t>US3: Waren vermerken - Implementation</a:t>
+              <a:t>US3: Waren vermerken - Backlog</a:t>
             </a:r>
           </a:p>
         </p:txBody>
@@ -6151,7 +6126,7 @@
           <p:cNvPr id="3" name="Inhaltsplatzhalter 2">
             <a:extLst>
               <a:ext uri="{FF2B5EF4-FFF2-40B4-BE49-F238E27FC236}">
-                <a16:creationId xmlns:a16="http://schemas.microsoft.com/office/drawing/2014/main" id="{D102A3AE-A6C7-43DE-921D-E31486724D63}"/>
+                <a16:creationId xmlns:a16="http://schemas.microsoft.com/office/drawing/2014/main" id="{8D9D7081-028C-4239-A22D-D0D1E0A84FFD}"/>
               </a:ext>
             </a:extLst>
           </p:cNvPr>
@@ -6169,75 +6144,49 @@
           <a:p>
             <a:r>
               <a:rPr lang="de-DE" dirty="0"/>
-              <a:t>Lokale DB für vermerkte Produkte </a:t>
+              <a:t>Aufgabenstellung: zusätzlicher Menüpunkt Warenkorb</a:t>
             </a:r>
           </a:p>
           <a:p>
             <a:r>
               <a:rPr lang="de-DE" dirty="0"/>
-              <a:t>Oben links Button für Warenkorbanzeige</a:t>
+              <a:t>FA: Produkte in Warenkorb einfügen + entfernen</a:t>
             </a:r>
           </a:p>
           <a:p>
             <a:r>
               <a:rPr lang="de-DE" dirty="0"/>
-              <a:t>Button bei Warendetails zum hzfg</a:t>
-            </a:r>
-          </a:p>
-          <a:p>
+              <a:t>NFA: easy </a:t>
+            </a:r>
+            <a:r>
+              <a:rPr lang="de-DE" dirty="0" err="1"/>
+              <a:t>to</a:t>
+            </a:r>
             <a:r>
               <a:rPr lang="de-DE" dirty="0"/>
-              <a:t>Warenkorb – Seite</a:t>
-            </a:r>
-          </a:p>
-          <a:p>
+              <a:t> </a:t>
+            </a:r>
+            <a:r>
+              <a:rPr lang="de-DE" dirty="0" err="1"/>
+              <a:t>use</a:t>
+            </a:r>
             <a:endParaRPr lang="de-DE" dirty="0"/>
           </a:p>
           <a:p>
             <a:r>
-              <a:rPr lang="de-DE" dirty="0">
-                <a:solidFill>
-                  <a:srgbClr val="FF0000"/>
-                </a:solidFill>
-              </a:rPr>
-              <a:t>Hier einfügen: </a:t>
-            </a:r>
-            <a:r>
-              <a:rPr lang="de-DE" dirty="0" err="1">
-                <a:solidFill>
-                  <a:srgbClr val="FF0000"/>
-                </a:solidFill>
-              </a:rPr>
-              <a:t>ss</a:t>
-            </a:r>
-            <a:r>
-              <a:rPr lang="de-DE" dirty="0">
-                <a:solidFill>
-                  <a:srgbClr val="FF0000"/>
-                </a:solidFill>
-              </a:rPr>
-              <a:t> von </a:t>
-            </a:r>
-            <a:r>
-              <a:rPr lang="de-DE" dirty="0" err="1">
-                <a:solidFill>
-                  <a:srgbClr val="FF0000"/>
-                </a:solidFill>
-              </a:rPr>
-              <a:t>warenkorb</a:t>
-            </a:r>
-            <a:endParaRPr lang="de-DE" dirty="0">
-              <a:solidFill>
-                <a:srgbClr val="FF0000"/>
-              </a:solidFill>
-            </a:endParaRPr>
+              <a:rPr lang="de-DE" dirty="0"/>
+              <a:t>DOD: Möglichkeit, Produkte aus dem Warenkorb anzuzeigen, hinzuzufügen, und zu entfernen</a:t>
+            </a:r>
+          </a:p>
+          <a:p>
+            <a:endParaRPr lang="de-DE" dirty="0"/>
           </a:p>
         </p:txBody>
       </p:sp>
     </p:spTree>
     <p:extLst>
       <p:ext uri="{BB962C8B-B14F-4D97-AF65-F5344CB8AC3E}">
-        <p14:creationId xmlns:p14="http://schemas.microsoft.com/office/powerpoint/2010/main" val="121119970"/>
+        <p14:creationId xmlns:p14="http://schemas.microsoft.com/office/powerpoint/2010/main" val="445569847"/>
       </p:ext>
     </p:extLst>
   </p:cSld>
@@ -6269,7 +6218,7 @@
           <p:cNvPr id="2" name="Titel 1">
             <a:extLst>
               <a:ext uri="{FF2B5EF4-FFF2-40B4-BE49-F238E27FC236}">
-                <a16:creationId xmlns:a16="http://schemas.microsoft.com/office/drawing/2014/main" id="{E451C3E0-1CA8-4DC9-91DA-47115AC174F1}"/>
+                <a16:creationId xmlns:a16="http://schemas.microsoft.com/office/drawing/2014/main" id="{5C5B9E8B-64FB-4244-B743-2769084D9194}"/>
               </a:ext>
             </a:extLst>
           </p:cNvPr>
@@ -6280,14 +6229,19 @@
             <p:ph type="title"/>
           </p:nvPr>
         </p:nvSpPr>
-        <p:spPr/>
+        <p:spPr>
+          <a:xfrm>
+            <a:off x="426128" y="609600"/>
+            <a:ext cx="8847874" cy="1320800"/>
+          </a:xfrm>
+        </p:spPr>
         <p:txBody>
           <a:bodyPr/>
           <a:lstStyle/>
           <a:p>
             <a:r>
               <a:rPr lang="de-DE" dirty="0"/>
-              <a:t>US3: Waren vermerken - Code</a:t>
+              <a:t>US3: Waren vermerken - Implementierung</a:t>
             </a:r>
           </a:p>
         </p:txBody>
@@ -6297,7 +6251,7 @@
           <p:cNvPr id="3" name="Inhaltsplatzhalter 2">
             <a:extLst>
               <a:ext uri="{FF2B5EF4-FFF2-40B4-BE49-F238E27FC236}">
-                <a16:creationId xmlns:a16="http://schemas.microsoft.com/office/drawing/2014/main" id="{52D6B833-BBA5-4F88-8786-64644A5A4E62}"/>
+                <a16:creationId xmlns:a16="http://schemas.microsoft.com/office/drawing/2014/main" id="{D102A3AE-A6C7-43DE-921D-E31486724D63}"/>
               </a:ext>
             </a:extLst>
           </p:cNvPr>
@@ -6314,33 +6268,114 @@
           <a:lstStyle/>
           <a:p>
             <a:r>
-              <a:rPr lang="de-DE" dirty="0">
-                <a:solidFill>
-                  <a:srgbClr val="FF0000"/>
-                </a:solidFill>
-              </a:rPr>
-              <a:t>Hier einfügen: Fragment, </a:t>
-            </a:r>
-            <a:r>
-              <a:rPr lang="de-DE" dirty="0" err="1">
-                <a:solidFill>
-                  <a:srgbClr val="FF0000"/>
-                </a:solidFill>
-              </a:rPr>
+              <a:rPr lang="de-DE" dirty="0"/>
+              <a:t>Lokale </a:t>
+            </a:r>
+            <a:r>
+              <a:rPr lang="de-DE" dirty="0" err="1"/>
               <a:t>Db</a:t>
             </a:r>
-            <a:endParaRPr lang="de-DE" dirty="0">
-              <a:solidFill>
-                <a:srgbClr val="FF0000"/>
-              </a:solidFill>
-            </a:endParaRPr>
-          </a:p>
-        </p:txBody>
-      </p:sp>
+            <a:r>
+              <a:rPr lang="de-DE" dirty="0"/>
+              <a:t> für vermerkte Produkte </a:t>
+            </a:r>
+          </a:p>
+          <a:p>
+            <a:r>
+              <a:rPr lang="de-DE" dirty="0"/>
+              <a:t>Oben links Button zum hinzufügen</a:t>
+            </a:r>
+          </a:p>
+          <a:p>
+            <a:r>
+              <a:rPr lang="de-DE" dirty="0"/>
+              <a:t>Daneben Warenkorb öffnen</a:t>
+            </a:r>
+          </a:p>
+          <a:p>
+            <a:r>
+              <a:rPr lang="de-DE" dirty="0"/>
+              <a:t>Warenkorb – Seite</a:t>
+            </a:r>
+          </a:p>
+        </p:txBody>
+      </p:sp>
+      <p:pic>
+        <p:nvPicPr>
+          <p:cNvPr id="4" name="Grafik 3">
+            <a:extLst>
+              <a:ext uri="{FF2B5EF4-FFF2-40B4-BE49-F238E27FC236}">
+                <a16:creationId xmlns:a16="http://schemas.microsoft.com/office/drawing/2014/main" id="{FC617B21-AF62-448D-90D2-5BC39C82653C}"/>
+              </a:ext>
+            </a:extLst>
+          </p:cNvPr>
+          <p:cNvPicPr>
+            <a:picLocks noChangeAspect="1"/>
+          </p:cNvPicPr>
+          <p:nvPr/>
+        </p:nvPicPr>
+        <p:blipFill>
+          <a:blip r:embed="rId2">
+            <a:extLst>
+              <a:ext uri="{28A0092B-C50C-407E-A947-70E740481C1C}">
+                <a14:useLocalDpi xmlns:a14="http://schemas.microsoft.com/office/drawing/2010/main" val="0"/>
+              </a:ext>
+            </a:extLst>
+          </a:blip>
+          <a:stretch>
+            <a:fillRect/>
+          </a:stretch>
+        </p:blipFill>
+        <p:spPr>
+          <a:xfrm>
+            <a:off x="9104841" y="1652336"/>
+            <a:ext cx="2409825" cy="4935566"/>
+          </a:xfrm>
+          <a:prstGeom prst="rect">
+            <a:avLst/>
+          </a:prstGeom>
+        </p:spPr>
+      </p:pic>
+      <p:pic>
+        <p:nvPicPr>
+          <p:cNvPr id="6" name="Grafik 5">
+            <a:extLst>
+              <a:ext uri="{FF2B5EF4-FFF2-40B4-BE49-F238E27FC236}">
+                <a16:creationId xmlns:a16="http://schemas.microsoft.com/office/drawing/2014/main" id="{8C680F98-342D-4E83-B5DC-162D92F85F8F}"/>
+              </a:ext>
+            </a:extLst>
+          </p:cNvPr>
+          <p:cNvPicPr>
+            <a:picLocks noChangeAspect="1"/>
+          </p:cNvPicPr>
+          <p:nvPr/>
+        </p:nvPicPr>
+        <p:blipFill>
+          <a:blip r:embed="rId3">
+            <a:extLst>
+              <a:ext uri="{28A0092B-C50C-407E-A947-70E740481C1C}">
+                <a14:useLocalDpi xmlns:a14="http://schemas.microsoft.com/office/drawing/2010/main" val="0"/>
+              </a:ext>
+            </a:extLst>
+          </a:blip>
+          <a:stretch>
+            <a:fillRect/>
+          </a:stretch>
+        </p:blipFill>
+        <p:spPr>
+          <a:xfrm>
+            <a:off x="5962650" y="1652336"/>
+            <a:ext cx="2409825" cy="4886590"/>
+          </a:xfrm>
+          <a:prstGeom prst="rect">
+            <a:avLst/>
+          </a:prstGeom>
+        </p:spPr>
+      </p:pic>
     </p:spTree>
     <p:extLst>
       <p:ext uri="{BB962C8B-B14F-4D97-AF65-F5344CB8AC3E}">
-        <p14:creationId xmlns:p14="http://schemas.microsoft.com/office/powerpoint/2010/main" val="4199180581"/>
+        <p14:creationId xmlns:p14="http://schemas.microsoft.com/office/powerpoint/2010/main" val="121119970"/>
       </p:ext>
     </p:extLst>
   </p:cSld>
@@ -6372,7 +6407,7 @@
           <p:cNvPr id="2" name="Titel 1">
             <a:extLst>
               <a:ext uri="{FF2B5EF4-FFF2-40B4-BE49-F238E27FC236}">
-                <a16:creationId xmlns:a16="http://schemas.microsoft.com/office/drawing/2014/main" id="{22E1C0FF-0E57-4B2F-A9AC-C274C1DFA62A}"/>
+                <a16:creationId xmlns:a16="http://schemas.microsoft.com/office/drawing/2014/main" id="{E451C3E0-1CA8-4DC9-91DA-47115AC174F1}"/>
               </a:ext>
             </a:extLst>
           </p:cNvPr>
@@ -6390,55 +6425,86 @@
           <a:p>
             <a:r>
               <a:rPr lang="de-DE" dirty="0"/>
-              <a:t>CLD:</a:t>
-            </a:r>
-          </a:p>
-        </p:txBody>
-      </p:sp>
-      <p:sp>
-        <p:nvSpPr>
-          <p:cNvPr id="3" name="Inhaltsplatzhalter 2">
+              <a:t>US3: Waren vermerken - Code</a:t>
+            </a:r>
+          </a:p>
+        </p:txBody>
+      </p:sp>
+      <p:pic>
+        <p:nvPicPr>
+          <p:cNvPr id="7" name="Inhaltsplatzhalter 6">
             <a:extLst>
               <a:ext uri="{FF2B5EF4-FFF2-40B4-BE49-F238E27FC236}">
-                <a16:creationId xmlns:a16="http://schemas.microsoft.com/office/drawing/2014/main" id="{86438D46-E350-4434-B294-8F9875E5E5BC}"/>
+                <a16:creationId xmlns:a16="http://schemas.microsoft.com/office/drawing/2014/main" id="{BF665E6A-6526-41B6-AE72-16A6DA622815}"/>
               </a:ext>
             </a:extLst>
           </p:cNvPr>
-          <p:cNvSpPr>
-            <a:spLocks noGrp="1"/>
-          </p:cNvSpPr>
+          <p:cNvPicPr>
+            <a:picLocks noGrp="1" noChangeAspect="1"/>
+          </p:cNvPicPr>
           <p:nvPr>
             <p:ph idx="1"/>
           </p:nvPr>
-        </p:nvSpPr>
-        <p:spPr/>
-        <p:txBody>
-          <a:bodyPr/>
-          <a:lstStyle/>
-          <a:p>
-            <a:r>
-              <a:rPr lang="de-DE" dirty="0" err="1">
-                <a:solidFill>
-                  <a:srgbClr val="FF0000"/>
-                </a:solidFill>
-              </a:rPr>
-              <a:t>Cld</a:t>
-            </a:r>
-            <a:r>
-              <a:rPr lang="de-DE" dirty="0">
-                <a:solidFill>
-                  <a:srgbClr val="FF0000"/>
-                </a:solidFill>
-              </a:rPr>
-              <a:t> einfügen</a:t>
-            </a:r>
-          </a:p>
-        </p:txBody>
-      </p:sp>
+        </p:nvPicPr>
+        <p:blipFill>
+          <a:blip r:embed="rId2">
+            <a:extLst>
+              <a:ext uri="{28A0092B-C50C-407E-A947-70E740481C1C}">
+                <a14:useLocalDpi xmlns:a14="http://schemas.microsoft.com/office/drawing/2010/main" val="0"/>
+              </a:ext>
+            </a:extLst>
+          </a:blip>
+          <a:stretch>
+            <a:fillRect/>
+          </a:stretch>
+        </p:blipFill>
+        <p:spPr>
+          <a:xfrm>
+            <a:off x="5876926" y="1096892"/>
+            <a:ext cx="6332928" cy="5084833"/>
+          </a:xfrm>
+        </p:spPr>
+      </p:pic>
+      <p:pic>
+        <p:nvPicPr>
+          <p:cNvPr id="5" name="Grafik 4">
+            <a:extLst>
+              <a:ext uri="{FF2B5EF4-FFF2-40B4-BE49-F238E27FC236}">
+                <a16:creationId xmlns:a16="http://schemas.microsoft.com/office/drawing/2014/main" id="{8D4033D6-BBD4-4823-8041-2D0737B2E07C}"/>
+              </a:ext>
+            </a:extLst>
+          </p:cNvPr>
+          <p:cNvPicPr>
+            <a:picLocks noChangeAspect="1"/>
+          </p:cNvPicPr>
+          <p:nvPr/>
+        </p:nvPicPr>
+        <p:blipFill>
+          <a:blip r:embed="rId3">
+            <a:extLst>
+              <a:ext uri="{28A0092B-C50C-407E-A947-70E740481C1C}">
+                <a14:useLocalDpi xmlns:a14="http://schemas.microsoft.com/office/drawing/2010/main" val="0"/>
+              </a:ext>
+            </a:extLst>
+          </a:blip>
+          <a:stretch>
+            <a:fillRect/>
+          </a:stretch>
+        </p:blipFill>
+        <p:spPr>
+          <a:xfrm>
+            <a:off x="108124" y="1535042"/>
+            <a:ext cx="5768802" cy="3284574"/>
+          </a:xfrm>
+          <a:prstGeom prst="rect">
+            <a:avLst/>
+          </a:prstGeom>
+        </p:spPr>
+      </p:pic>
     </p:spTree>
     <p:extLst>
       <p:ext uri="{BB962C8B-B14F-4D97-AF65-F5344CB8AC3E}">
-        <p14:creationId xmlns:p14="http://schemas.microsoft.com/office/powerpoint/2010/main" val="2263765725"/>
+        <p14:creationId xmlns:p14="http://schemas.microsoft.com/office/powerpoint/2010/main" val="4199180581"/>
       </p:ext>
     </p:extLst>
   </p:cSld>
@@ -6470,6 +6536,856 @@
           <p:cNvPr id="2" name="Titel 1">
             <a:extLst>
               <a:ext uri="{FF2B5EF4-FFF2-40B4-BE49-F238E27FC236}">
+                <a16:creationId xmlns:a16="http://schemas.microsoft.com/office/drawing/2014/main" id="{22E1C0FF-0E57-4B2F-A9AC-C274C1DFA62A}"/>
+              </a:ext>
+            </a:extLst>
+          </p:cNvPr>
+          <p:cNvSpPr>
+            <a:spLocks noGrp="1"/>
+          </p:cNvSpPr>
+          <p:nvPr>
+            <p:ph type="title"/>
+          </p:nvPr>
+        </p:nvSpPr>
+        <p:spPr/>
+        <p:txBody>
+          <a:bodyPr/>
+          <a:lstStyle/>
+          <a:p>
+            <a:r>
+              <a:rPr lang="de-DE" dirty="0"/>
+              <a:t>CLD:</a:t>
+            </a:r>
+          </a:p>
+        </p:txBody>
+      </p:sp>
+      <p:sp>
+        <p:nvSpPr>
+          <p:cNvPr id="3" name="Inhaltsplatzhalter 2">
+            <a:extLst>
+              <a:ext uri="{FF2B5EF4-FFF2-40B4-BE49-F238E27FC236}">
+                <a16:creationId xmlns:a16="http://schemas.microsoft.com/office/drawing/2014/main" id="{86438D46-E350-4434-B294-8F9875E5E5BC}"/>
+              </a:ext>
+            </a:extLst>
+          </p:cNvPr>
+          <p:cNvSpPr>
+            <a:spLocks noGrp="1"/>
+          </p:cNvSpPr>
+          <p:nvPr>
+            <p:ph idx="1"/>
+          </p:nvPr>
+        </p:nvSpPr>
+        <p:spPr>
+          <a:xfrm>
+            <a:off x="677334" y="2302632"/>
+            <a:ext cx="8596668" cy="3880773"/>
+          </a:xfrm>
+        </p:spPr>
+        <p:txBody>
+          <a:bodyPr/>
+          <a:lstStyle/>
+          <a:p>
+            <a:r>
+              <a:rPr lang="de-DE" dirty="0">
+                <a:solidFill>
+                  <a:schemeClr val="tx1"/>
+                </a:solidFill>
+              </a:rPr>
+              <a:t>Grau: unsere Klassen</a:t>
+            </a:r>
+          </a:p>
+          <a:p>
+            <a:endParaRPr lang="de-DE" dirty="0">
+              <a:solidFill>
+                <a:schemeClr val="tx1"/>
+              </a:solidFill>
+            </a:endParaRPr>
+          </a:p>
+          <a:p>
+            <a:r>
+              <a:rPr lang="de-DE" dirty="0">
+                <a:solidFill>
+                  <a:schemeClr val="tx1"/>
+                </a:solidFill>
+              </a:rPr>
+              <a:t>unübersichtlich</a:t>
+            </a:r>
+          </a:p>
+        </p:txBody>
+      </p:sp>
+      <p:pic>
+        <p:nvPicPr>
+          <p:cNvPr id="6" name="Grafik 5">
+            <a:extLst>
+              <a:ext uri="{FF2B5EF4-FFF2-40B4-BE49-F238E27FC236}">
+                <a16:creationId xmlns:a16="http://schemas.microsoft.com/office/drawing/2014/main" id="{209CF512-1993-4703-8890-D77BC3A787F4}"/>
+              </a:ext>
+            </a:extLst>
+          </p:cNvPr>
+          <p:cNvPicPr>
+            <a:picLocks noChangeAspect="1"/>
+          </p:cNvPicPr>
+          <p:nvPr/>
+        </p:nvPicPr>
+        <p:blipFill>
+          <a:blip r:embed="rId2"/>
+          <a:stretch>
+            <a:fillRect/>
+          </a:stretch>
+        </p:blipFill>
+        <p:spPr>
+          <a:xfrm>
+            <a:off x="3614737" y="609600"/>
+            <a:ext cx="7343775" cy="6134100"/>
+          </a:xfrm>
+          <a:prstGeom prst="rect">
+            <a:avLst/>
+          </a:prstGeom>
+        </p:spPr>
+      </p:pic>
+    </p:spTree>
+    <p:extLst>
+      <p:ext uri="{BB962C8B-B14F-4D97-AF65-F5344CB8AC3E}">
+        <p14:creationId xmlns:p14="http://schemas.microsoft.com/office/powerpoint/2010/main" val="2263765725"/>
+      </p:ext>
+    </p:extLst>
+  </p:cSld>
+  <p:clrMapOvr>
+    <a:masterClrMapping/>
+  </p:clrMapOvr>
+</p:sld>
+</file>
+
+<file path=ppt/slides/slide15.xml><?xml version="1.0" encoding="utf-8"?>
+<p:sld xmlns:a="http://schemas.openxmlformats.org/drawingml/2006/main" xmlns:r="http://schemas.openxmlformats.org/officeDocument/2006/relationships" xmlns:p="http://schemas.openxmlformats.org/presentationml/2006/main">
+  <p:cSld>
+    <p:spTree>
+      <p:nvGrpSpPr>
+        <p:cNvPr id="1" name=""/>
+        <p:cNvGrpSpPr/>
+        <p:nvPr/>
+      </p:nvGrpSpPr>
+      <p:grpSpPr>
+        <a:xfrm>
+          <a:off x="0" y="0"/>
+          <a:ext cx="0" cy="0"/>
+          <a:chOff x="0" y="0"/>
+          <a:chExt cx="0" cy="0"/>
+        </a:xfrm>
+      </p:grpSpPr>
+      <p:sp>
+        <p:nvSpPr>
+          <p:cNvPr id="12" name="Rechteck 11">
+            <a:extLst>
+              <a:ext uri="{FF2B5EF4-FFF2-40B4-BE49-F238E27FC236}">
+                <a16:creationId xmlns:a16="http://schemas.microsoft.com/office/drawing/2014/main" id="{ACD1CB3F-1A61-4B6F-BD5A-6F3C999A0264}"/>
+              </a:ext>
+            </a:extLst>
+          </p:cNvPr>
+          <p:cNvSpPr/>
+          <p:nvPr/>
+        </p:nvSpPr>
+        <p:spPr>
+          <a:xfrm>
+            <a:off x="7031115" y="3781887"/>
+            <a:ext cx="976543" cy="363985"/>
+          </a:xfrm>
+          <a:prstGeom prst="rect">
+            <a:avLst/>
+          </a:prstGeom>
+        </p:spPr>
+        <p:style>
+          <a:lnRef idx="2">
+            <a:schemeClr val="accent1">
+              <a:shade val="50000"/>
+            </a:schemeClr>
+          </a:lnRef>
+          <a:fillRef idx="1">
+            <a:schemeClr val="accent1"/>
+          </a:fillRef>
+          <a:effectRef idx="0">
+            <a:schemeClr val="accent1"/>
+          </a:effectRef>
+          <a:fontRef idx="minor">
+            <a:schemeClr val="lt1"/>
+          </a:fontRef>
+        </p:style>
+        <p:txBody>
+          <a:bodyPr rtlCol="0" anchor="ctr"/>
+          <a:lstStyle/>
+          <a:p>
+            <a:pPr algn="ctr"/>
+            <a:endParaRPr lang="de-DE"/>
+          </a:p>
+        </p:txBody>
+      </p:sp>
+      <p:sp>
+        <p:nvSpPr>
+          <p:cNvPr id="11" name="Rechteck 10">
+            <a:extLst>
+              <a:ext uri="{FF2B5EF4-FFF2-40B4-BE49-F238E27FC236}">
+                <a16:creationId xmlns:a16="http://schemas.microsoft.com/office/drawing/2014/main" id="{96F9877B-C29C-4E78-9CC3-97D270E4B311}"/>
+              </a:ext>
+            </a:extLst>
+          </p:cNvPr>
+          <p:cNvSpPr/>
+          <p:nvPr/>
+        </p:nvSpPr>
+        <p:spPr>
+          <a:xfrm>
+            <a:off x="3915052" y="3781887"/>
+            <a:ext cx="1402672" cy="363985"/>
+          </a:xfrm>
+          <a:prstGeom prst="rect">
+            <a:avLst/>
+          </a:prstGeom>
+        </p:spPr>
+        <p:style>
+          <a:lnRef idx="2">
+            <a:schemeClr val="accent1">
+              <a:shade val="50000"/>
+            </a:schemeClr>
+          </a:lnRef>
+          <a:fillRef idx="1">
+            <a:schemeClr val="accent1"/>
+          </a:fillRef>
+          <a:effectRef idx="0">
+            <a:schemeClr val="accent1"/>
+          </a:effectRef>
+          <a:fontRef idx="minor">
+            <a:schemeClr val="lt1"/>
+          </a:fontRef>
+        </p:style>
+        <p:txBody>
+          <a:bodyPr rtlCol="0" anchor="ctr"/>
+          <a:lstStyle/>
+          <a:p>
+            <a:pPr algn="ctr"/>
+            <a:endParaRPr lang="de-DE"/>
+          </a:p>
+        </p:txBody>
+      </p:sp>
+      <p:sp>
+        <p:nvSpPr>
+          <p:cNvPr id="10" name="Rechteck 9">
+            <a:extLst>
+              <a:ext uri="{FF2B5EF4-FFF2-40B4-BE49-F238E27FC236}">
+                <a16:creationId xmlns:a16="http://schemas.microsoft.com/office/drawing/2014/main" id="{8AD5C7C6-AFB1-48B0-B539-027182717701}"/>
+              </a:ext>
+            </a:extLst>
+          </p:cNvPr>
+          <p:cNvSpPr/>
+          <p:nvPr/>
+        </p:nvSpPr>
+        <p:spPr>
+          <a:xfrm>
+            <a:off x="3888419" y="2991775"/>
+            <a:ext cx="1358284" cy="363984"/>
+          </a:xfrm>
+          <a:prstGeom prst="rect">
+            <a:avLst/>
+          </a:prstGeom>
+        </p:spPr>
+        <p:style>
+          <a:lnRef idx="2">
+            <a:schemeClr val="accent1">
+              <a:shade val="50000"/>
+            </a:schemeClr>
+          </a:lnRef>
+          <a:fillRef idx="1">
+            <a:schemeClr val="accent1"/>
+          </a:fillRef>
+          <a:effectRef idx="0">
+            <a:schemeClr val="accent1"/>
+          </a:effectRef>
+          <a:fontRef idx="minor">
+            <a:schemeClr val="lt1"/>
+          </a:fontRef>
+        </p:style>
+        <p:txBody>
+          <a:bodyPr rtlCol="0" anchor="ctr"/>
+          <a:lstStyle/>
+          <a:p>
+            <a:pPr algn="ctr"/>
+            <a:endParaRPr lang="de-DE"/>
+          </a:p>
+        </p:txBody>
+      </p:sp>
+      <p:sp>
+        <p:nvSpPr>
+          <p:cNvPr id="9" name="Rechteck 8">
+            <a:extLst>
+              <a:ext uri="{FF2B5EF4-FFF2-40B4-BE49-F238E27FC236}">
+                <a16:creationId xmlns:a16="http://schemas.microsoft.com/office/drawing/2014/main" id="{96D0D4E7-5728-4289-9930-95A700C4DD79}"/>
+              </a:ext>
+            </a:extLst>
+          </p:cNvPr>
+          <p:cNvSpPr/>
+          <p:nvPr/>
+        </p:nvSpPr>
+        <p:spPr>
+          <a:xfrm>
+            <a:off x="2112885" y="4643021"/>
+            <a:ext cx="1251752" cy="284580"/>
+          </a:xfrm>
+          <a:prstGeom prst="rect">
+            <a:avLst/>
+          </a:prstGeom>
+        </p:spPr>
+        <p:style>
+          <a:lnRef idx="2">
+            <a:schemeClr val="accent1">
+              <a:shade val="50000"/>
+            </a:schemeClr>
+          </a:lnRef>
+          <a:fillRef idx="1">
+            <a:schemeClr val="accent1"/>
+          </a:fillRef>
+          <a:effectRef idx="0">
+            <a:schemeClr val="accent1"/>
+          </a:effectRef>
+          <a:fontRef idx="minor">
+            <a:schemeClr val="lt1"/>
+          </a:fontRef>
+        </p:style>
+        <p:txBody>
+          <a:bodyPr rtlCol="0" anchor="ctr"/>
+          <a:lstStyle/>
+          <a:p>
+            <a:pPr algn="ctr"/>
+            <a:endParaRPr lang="de-DE"/>
+          </a:p>
+        </p:txBody>
+      </p:sp>
+      <p:sp>
+        <p:nvSpPr>
+          <p:cNvPr id="8" name="Rechteck 7">
+            <a:extLst>
+              <a:ext uri="{FF2B5EF4-FFF2-40B4-BE49-F238E27FC236}">
+                <a16:creationId xmlns:a16="http://schemas.microsoft.com/office/drawing/2014/main" id="{BFB42C0F-379A-46F0-8768-E1613A5B5802}"/>
+              </a:ext>
+            </a:extLst>
+          </p:cNvPr>
+          <p:cNvSpPr/>
+          <p:nvPr/>
+        </p:nvSpPr>
+        <p:spPr>
+          <a:xfrm>
+            <a:off x="2006353" y="3781887"/>
+            <a:ext cx="1145220" cy="363985"/>
+          </a:xfrm>
+          <a:prstGeom prst="rect">
+            <a:avLst/>
+          </a:prstGeom>
+        </p:spPr>
+        <p:style>
+          <a:lnRef idx="2">
+            <a:schemeClr val="accent1">
+              <a:shade val="50000"/>
+            </a:schemeClr>
+          </a:lnRef>
+          <a:fillRef idx="1">
+            <a:schemeClr val="accent1"/>
+          </a:fillRef>
+          <a:effectRef idx="0">
+            <a:schemeClr val="accent1"/>
+          </a:effectRef>
+          <a:fontRef idx="minor">
+            <a:schemeClr val="lt1"/>
+          </a:fontRef>
+        </p:style>
+        <p:txBody>
+          <a:bodyPr rtlCol="0" anchor="ctr"/>
+          <a:lstStyle/>
+          <a:p>
+            <a:pPr algn="ctr"/>
+            <a:endParaRPr lang="de-DE"/>
+          </a:p>
+        </p:txBody>
+      </p:sp>
+      <p:sp>
+        <p:nvSpPr>
+          <p:cNvPr id="7" name="Rechteck 6">
+            <a:extLst>
+              <a:ext uri="{FF2B5EF4-FFF2-40B4-BE49-F238E27FC236}">
+                <a16:creationId xmlns:a16="http://schemas.microsoft.com/office/drawing/2014/main" id="{52DDDA3E-CDBC-42E5-AF5E-A616C874DF0D}"/>
+              </a:ext>
+            </a:extLst>
+          </p:cNvPr>
+          <p:cNvSpPr/>
+          <p:nvPr/>
+        </p:nvSpPr>
+        <p:spPr>
+          <a:xfrm>
+            <a:off x="2006353" y="2991775"/>
+            <a:ext cx="1251752" cy="363984"/>
+          </a:xfrm>
+          <a:prstGeom prst="rect">
+            <a:avLst/>
+          </a:prstGeom>
+        </p:spPr>
+        <p:style>
+          <a:lnRef idx="2">
+            <a:schemeClr val="accent1">
+              <a:shade val="50000"/>
+            </a:schemeClr>
+          </a:lnRef>
+          <a:fillRef idx="1">
+            <a:schemeClr val="accent1"/>
+          </a:fillRef>
+          <a:effectRef idx="0">
+            <a:schemeClr val="accent1"/>
+          </a:effectRef>
+          <a:fontRef idx="minor">
+            <a:schemeClr val="lt1"/>
+          </a:fontRef>
+        </p:style>
+        <p:txBody>
+          <a:bodyPr rtlCol="0" anchor="ctr"/>
+          <a:lstStyle/>
+          <a:p>
+            <a:pPr algn="ctr"/>
+            <a:endParaRPr lang="de-DE"/>
+          </a:p>
+        </p:txBody>
+      </p:sp>
+      <p:sp>
+        <p:nvSpPr>
+          <p:cNvPr id="6" name="Rechteck 5">
+            <a:extLst>
+              <a:ext uri="{FF2B5EF4-FFF2-40B4-BE49-F238E27FC236}">
+                <a16:creationId xmlns:a16="http://schemas.microsoft.com/office/drawing/2014/main" id="{AE59AAD2-3018-42C3-9E41-6B936B9A87DE}"/>
+              </a:ext>
+            </a:extLst>
+          </p:cNvPr>
+          <p:cNvSpPr/>
+          <p:nvPr/>
+        </p:nvSpPr>
+        <p:spPr>
+          <a:xfrm>
+            <a:off x="2006353" y="2175029"/>
+            <a:ext cx="1145220" cy="390618"/>
+          </a:xfrm>
+          <a:prstGeom prst="rect">
+            <a:avLst/>
+          </a:prstGeom>
+        </p:spPr>
+        <p:style>
+          <a:lnRef idx="2">
+            <a:schemeClr val="accent1">
+              <a:shade val="50000"/>
+            </a:schemeClr>
+          </a:lnRef>
+          <a:fillRef idx="1">
+            <a:schemeClr val="accent1"/>
+          </a:fillRef>
+          <a:effectRef idx="0">
+            <a:schemeClr val="accent1"/>
+          </a:effectRef>
+          <a:fontRef idx="minor">
+            <a:schemeClr val="lt1"/>
+          </a:fontRef>
+        </p:style>
+        <p:txBody>
+          <a:bodyPr rtlCol="0" anchor="ctr"/>
+          <a:lstStyle/>
+          <a:p>
+            <a:pPr algn="ctr"/>
+            <a:endParaRPr lang="de-DE"/>
+          </a:p>
+        </p:txBody>
+      </p:sp>
+      <p:sp>
+        <p:nvSpPr>
+          <p:cNvPr id="2" name="Titel 1">
+            <a:extLst>
+              <a:ext uri="{FF2B5EF4-FFF2-40B4-BE49-F238E27FC236}">
+                <a16:creationId xmlns:a16="http://schemas.microsoft.com/office/drawing/2014/main" id="{1B7E4012-6E9C-4E13-9320-9AF1087921A4}"/>
+              </a:ext>
+            </a:extLst>
+          </p:cNvPr>
+          <p:cNvSpPr>
+            <a:spLocks noGrp="1"/>
+          </p:cNvSpPr>
+          <p:nvPr>
+            <p:ph type="title"/>
+          </p:nvPr>
+        </p:nvSpPr>
+        <p:spPr/>
+        <p:txBody>
+          <a:bodyPr/>
+          <a:lstStyle/>
+          <a:p>
+            <a:r>
+              <a:rPr lang="de-DE" dirty="0"/>
+              <a:t>Aufbau des Android Studio Projekts:</a:t>
+            </a:r>
+          </a:p>
+        </p:txBody>
+      </p:sp>
+      <p:sp>
+        <p:nvSpPr>
+          <p:cNvPr id="3" name="Inhaltsplatzhalter 2">
+            <a:extLst>
+              <a:ext uri="{FF2B5EF4-FFF2-40B4-BE49-F238E27FC236}">
+                <a16:creationId xmlns:a16="http://schemas.microsoft.com/office/drawing/2014/main" id="{B5243F23-2620-4DDA-A12A-AFBBB47A4212}"/>
+              </a:ext>
+            </a:extLst>
+          </p:cNvPr>
+          <p:cNvSpPr>
+            <a:spLocks noGrp="1"/>
+          </p:cNvSpPr>
+          <p:nvPr>
+            <p:ph idx="1"/>
+          </p:nvPr>
+        </p:nvSpPr>
+        <p:spPr/>
+        <p:txBody>
+          <a:bodyPr/>
+          <a:lstStyle/>
+          <a:p>
+            <a:pPr marL="0" indent="0">
+              <a:buNone/>
+            </a:pPr>
+            <a:r>
+              <a:rPr lang="de-DE" dirty="0"/>
+              <a:t>			</a:t>
+            </a:r>
+            <a:r>
+              <a:rPr lang="de-DE" dirty="0" err="1"/>
+              <a:t>Activity</a:t>
+            </a:r>
+            <a:endParaRPr lang="de-DE" dirty="0"/>
+          </a:p>
+          <a:p>
+            <a:pPr marL="0" indent="0">
+              <a:buNone/>
+            </a:pPr>
+            <a:endParaRPr lang="de-DE" dirty="0"/>
+          </a:p>
+          <a:p>
+            <a:pPr marL="0" indent="0">
+              <a:buNone/>
+            </a:pPr>
+            <a:r>
+              <a:rPr lang="de-DE" dirty="0"/>
+              <a:t>			Fragment		 </a:t>
+            </a:r>
+            <a:r>
+              <a:rPr lang="de-DE" dirty="0" err="1"/>
+              <a:t>Persistence</a:t>
+            </a:r>
+            <a:endParaRPr lang="de-DE" dirty="0"/>
+          </a:p>
+          <a:p>
+            <a:pPr marL="0" indent="0">
+              <a:buNone/>
+            </a:pPr>
+            <a:endParaRPr lang="de-DE" dirty="0"/>
+          </a:p>
+          <a:p>
+            <a:pPr marL="0" indent="0">
+              <a:buNone/>
+            </a:pPr>
+            <a:r>
+              <a:rPr lang="de-DE" dirty="0"/>
+              <a:t>			Adapter			 </a:t>
+            </a:r>
+            <a:r>
+              <a:rPr lang="de-DE" dirty="0" err="1"/>
+              <a:t>DataService</a:t>
+            </a:r>
+            <a:r>
+              <a:rPr lang="de-DE" dirty="0"/>
+              <a:t>					Server	</a:t>
+            </a:r>
+          </a:p>
+          <a:p>
+            <a:pPr marL="0" indent="0">
+              <a:buNone/>
+            </a:pPr>
+            <a:endParaRPr lang="de-DE" dirty="0"/>
+          </a:p>
+          <a:p>
+            <a:pPr marL="0" indent="0">
+              <a:buNone/>
+            </a:pPr>
+            <a:r>
+              <a:rPr lang="de-DE" dirty="0"/>
+              <a:t>			     View</a:t>
+            </a:r>
+          </a:p>
+        </p:txBody>
+      </p:sp>
+      <p:cxnSp>
+        <p:nvCxnSpPr>
+          <p:cNvPr id="14" name="Gerade Verbindung mit Pfeil 13">
+            <a:extLst>
+              <a:ext uri="{FF2B5EF4-FFF2-40B4-BE49-F238E27FC236}">
+                <a16:creationId xmlns:a16="http://schemas.microsoft.com/office/drawing/2014/main" id="{F8A768DA-EAC1-4232-A13C-671E8EE82193}"/>
+              </a:ext>
+            </a:extLst>
+          </p:cNvPr>
+          <p:cNvCxnSpPr/>
+          <p:nvPr/>
+        </p:nvCxnSpPr>
+        <p:spPr>
+          <a:xfrm>
+            <a:off x="3151573" y="3915052"/>
+            <a:ext cx="736846" cy="0"/>
+          </a:xfrm>
+          <a:prstGeom prst="straightConnector1">
+            <a:avLst/>
+          </a:prstGeom>
+          <a:ln>
+            <a:tailEnd type="triangle"/>
+          </a:ln>
+        </p:spPr>
+        <p:style>
+          <a:lnRef idx="1">
+            <a:schemeClr val="dk1"/>
+          </a:lnRef>
+          <a:fillRef idx="0">
+            <a:schemeClr val="dk1"/>
+          </a:fillRef>
+          <a:effectRef idx="0">
+            <a:schemeClr val="dk1"/>
+          </a:effectRef>
+          <a:fontRef idx="minor">
+            <a:schemeClr val="tx1"/>
+          </a:fontRef>
+        </p:style>
+      </p:cxnSp>
+      <p:cxnSp>
+        <p:nvCxnSpPr>
+          <p:cNvPr id="16" name="Gerade Verbindung mit Pfeil 15">
+            <a:extLst>
+              <a:ext uri="{FF2B5EF4-FFF2-40B4-BE49-F238E27FC236}">
+                <a16:creationId xmlns:a16="http://schemas.microsoft.com/office/drawing/2014/main" id="{51BFED87-0194-4285-9B03-399DCD2E51D9}"/>
+              </a:ext>
+            </a:extLst>
+          </p:cNvPr>
+          <p:cNvCxnSpPr/>
+          <p:nvPr/>
+        </p:nvCxnSpPr>
+        <p:spPr>
+          <a:xfrm>
+            <a:off x="2574524" y="4145872"/>
+            <a:ext cx="0" cy="497149"/>
+          </a:xfrm>
+          <a:prstGeom prst="straightConnector1">
+            <a:avLst/>
+          </a:prstGeom>
+          <a:ln>
+            <a:tailEnd type="triangle"/>
+          </a:ln>
+        </p:spPr>
+        <p:style>
+          <a:lnRef idx="1">
+            <a:schemeClr val="dk1"/>
+          </a:lnRef>
+          <a:fillRef idx="0">
+            <a:schemeClr val="dk1"/>
+          </a:fillRef>
+          <a:effectRef idx="0">
+            <a:schemeClr val="dk1"/>
+          </a:effectRef>
+          <a:fontRef idx="minor">
+            <a:schemeClr val="tx1"/>
+          </a:fontRef>
+        </p:style>
+      </p:cxnSp>
+      <p:cxnSp>
+        <p:nvCxnSpPr>
+          <p:cNvPr id="18" name="Gerade Verbindung mit Pfeil 17">
+            <a:extLst>
+              <a:ext uri="{FF2B5EF4-FFF2-40B4-BE49-F238E27FC236}">
+                <a16:creationId xmlns:a16="http://schemas.microsoft.com/office/drawing/2014/main" id="{49F4E979-7846-4F19-8267-50E3329B424B}"/>
+              </a:ext>
+            </a:extLst>
+          </p:cNvPr>
+          <p:cNvCxnSpPr/>
+          <p:nvPr/>
+        </p:nvCxnSpPr>
+        <p:spPr>
+          <a:xfrm>
+            <a:off x="5317724" y="3915052"/>
+            <a:ext cx="1713391" cy="0"/>
+          </a:xfrm>
+          <a:prstGeom prst="straightConnector1">
+            <a:avLst/>
+          </a:prstGeom>
+          <a:ln>
+            <a:tailEnd type="triangle"/>
+          </a:ln>
+        </p:spPr>
+        <p:style>
+          <a:lnRef idx="1">
+            <a:schemeClr val="dk1"/>
+          </a:lnRef>
+          <a:fillRef idx="0">
+            <a:schemeClr val="dk1"/>
+          </a:fillRef>
+          <a:effectRef idx="0">
+            <a:schemeClr val="dk1"/>
+          </a:effectRef>
+          <a:fontRef idx="minor">
+            <a:schemeClr val="tx1"/>
+          </a:fontRef>
+        </p:style>
+      </p:cxnSp>
+      <p:cxnSp>
+        <p:nvCxnSpPr>
+          <p:cNvPr id="20" name="Gerade Verbindung mit Pfeil 19">
+            <a:extLst>
+              <a:ext uri="{FF2B5EF4-FFF2-40B4-BE49-F238E27FC236}">
+                <a16:creationId xmlns:a16="http://schemas.microsoft.com/office/drawing/2014/main" id="{3C402A4D-CA1D-4705-945A-11E44FA61B59}"/>
+              </a:ext>
+            </a:extLst>
+          </p:cNvPr>
+          <p:cNvCxnSpPr/>
+          <p:nvPr/>
+        </p:nvCxnSpPr>
+        <p:spPr>
+          <a:xfrm flipV="1">
+            <a:off x="3151573" y="3429000"/>
+            <a:ext cx="736846" cy="352887"/>
+          </a:xfrm>
+          <a:prstGeom prst="straightConnector1">
+            <a:avLst/>
+          </a:prstGeom>
+          <a:ln>
+            <a:tailEnd type="triangle"/>
+          </a:ln>
+        </p:spPr>
+        <p:style>
+          <a:lnRef idx="1">
+            <a:schemeClr val="dk1"/>
+          </a:lnRef>
+          <a:fillRef idx="0">
+            <a:schemeClr val="dk1"/>
+          </a:fillRef>
+          <a:effectRef idx="0">
+            <a:schemeClr val="dk1"/>
+          </a:effectRef>
+          <a:fontRef idx="minor">
+            <a:schemeClr val="tx1"/>
+          </a:fontRef>
+        </p:style>
+      </p:cxnSp>
+      <p:cxnSp>
+        <p:nvCxnSpPr>
+          <p:cNvPr id="22" name="Gerade Verbindung mit Pfeil 21">
+            <a:extLst>
+              <a:ext uri="{FF2B5EF4-FFF2-40B4-BE49-F238E27FC236}">
+                <a16:creationId xmlns:a16="http://schemas.microsoft.com/office/drawing/2014/main" id="{66EC4FBC-B1E8-44CC-AD8B-752D3E83C446}"/>
+              </a:ext>
+            </a:extLst>
+          </p:cNvPr>
+          <p:cNvCxnSpPr/>
+          <p:nvPr/>
+        </p:nvCxnSpPr>
+        <p:spPr>
+          <a:xfrm>
+            <a:off x="2530135" y="2565647"/>
+            <a:ext cx="0" cy="377301"/>
+          </a:xfrm>
+          <a:prstGeom prst="straightConnector1">
+            <a:avLst/>
+          </a:prstGeom>
+          <a:ln>
+            <a:tailEnd type="triangle"/>
+          </a:ln>
+        </p:spPr>
+        <p:style>
+          <a:lnRef idx="1">
+            <a:schemeClr val="dk1"/>
+          </a:lnRef>
+          <a:fillRef idx="0">
+            <a:schemeClr val="dk1"/>
+          </a:fillRef>
+          <a:effectRef idx="0">
+            <a:schemeClr val="dk1"/>
+          </a:effectRef>
+          <a:fontRef idx="minor">
+            <a:schemeClr val="tx1"/>
+          </a:fontRef>
+        </p:style>
+      </p:cxnSp>
+      <p:cxnSp>
+        <p:nvCxnSpPr>
+          <p:cNvPr id="24" name="Gerade Verbindung mit Pfeil 23">
+            <a:extLst>
+              <a:ext uri="{FF2B5EF4-FFF2-40B4-BE49-F238E27FC236}">
+                <a16:creationId xmlns:a16="http://schemas.microsoft.com/office/drawing/2014/main" id="{EDA00401-7939-4780-B1BB-C5D8E3C9BB37}"/>
+              </a:ext>
+            </a:extLst>
+          </p:cNvPr>
+          <p:cNvCxnSpPr/>
+          <p:nvPr/>
+        </p:nvCxnSpPr>
+        <p:spPr>
+          <a:xfrm>
+            <a:off x="2476870" y="3355759"/>
+            <a:ext cx="0" cy="426128"/>
+          </a:xfrm>
+          <a:prstGeom prst="straightConnector1">
+            <a:avLst/>
+          </a:prstGeom>
+          <a:ln>
+            <a:tailEnd type="triangle"/>
+          </a:ln>
+        </p:spPr>
+        <p:style>
+          <a:lnRef idx="1">
+            <a:schemeClr val="dk1"/>
+          </a:lnRef>
+          <a:fillRef idx="0">
+            <a:schemeClr val="dk1"/>
+          </a:fillRef>
+          <a:effectRef idx="0">
+            <a:schemeClr val="dk1"/>
+          </a:effectRef>
+          <a:fontRef idx="minor">
+            <a:schemeClr val="tx1"/>
+          </a:fontRef>
+        </p:style>
+      </p:cxnSp>
+    </p:spTree>
+    <p:extLst>
+      <p:ext uri="{BB962C8B-B14F-4D97-AF65-F5344CB8AC3E}">
+        <p14:creationId xmlns:p14="http://schemas.microsoft.com/office/powerpoint/2010/main" val="3057279753"/>
+      </p:ext>
+    </p:extLst>
+  </p:cSld>
+  <p:clrMapOvr>
+    <a:masterClrMapping/>
+  </p:clrMapOvr>
+</p:sld>
+</file>
+
+<file path=ppt/slides/slide16.xml><?xml version="1.0" encoding="utf-8"?>
+<p:sld xmlns:a="http://schemas.openxmlformats.org/drawingml/2006/main" xmlns:r="http://schemas.openxmlformats.org/officeDocument/2006/relationships" xmlns:p="http://schemas.openxmlformats.org/presentationml/2006/main">
+  <p:cSld>
+    <p:spTree>
+      <p:nvGrpSpPr>
+        <p:cNvPr id="1" name=""/>
+        <p:cNvGrpSpPr/>
+        <p:nvPr/>
+      </p:nvGrpSpPr>
+      <p:grpSpPr>
+        <a:xfrm>
+          <a:off x="0" y="0"/>
+          <a:ext cx="0" cy="0"/>
+          <a:chOff x="0" y="0"/>
+          <a:chExt cx="0" cy="0"/>
+        </a:xfrm>
+      </p:grpSpPr>
+      <p:sp>
+        <p:nvSpPr>
+          <p:cNvPr id="2" name="Titel 1">
+            <a:extLst>
+              <a:ext uri="{FF2B5EF4-FFF2-40B4-BE49-F238E27FC236}">
                 <a16:creationId xmlns:a16="http://schemas.microsoft.com/office/drawing/2014/main" id="{0B8E2DCB-D0C6-4A7D-A5CB-70EFF307583D}"/>
               </a:ext>
             </a:extLst>
@@ -6527,7 +7443,7 @@
         </p:blipFill>
         <p:spPr>
           <a:xfrm>
-            <a:off x="2733675" y="2178408"/>
+            <a:off x="2458467" y="1930400"/>
             <a:ext cx="4059827" cy="4178534"/>
           </a:xfrm>
         </p:spPr>
@@ -6613,6 +7529,20 @@
           <a:p>
             <a:r>
               <a:rPr lang="de-DE" dirty="0"/>
+              <a:t>Was ist </a:t>
+            </a:r>
+            <a:r>
+              <a:rPr lang="de-DE" dirty="0" err="1"/>
+              <a:t>Planet.Shop</a:t>
+            </a:r>
+            <a:r>
+              <a:rPr lang="de-DE" dirty="0"/>
+              <a:t>?</a:t>
+            </a:r>
+          </a:p>
+          <a:p>
+            <a:r>
+              <a:rPr lang="de-DE" dirty="0"/>
               <a:t>US1: Waren anzeigen</a:t>
             </a:r>
           </a:p>
@@ -6627,6 +7557,25 @@
               <a:rPr lang="de-DE" dirty="0"/>
               <a:t>US3: Waren vermerken</a:t>
             </a:r>
+          </a:p>
+          <a:p>
+            <a:r>
+              <a:rPr lang="de-DE" dirty="0"/>
+              <a:t>CLD</a:t>
+            </a:r>
+          </a:p>
+          <a:p>
+            <a:r>
+              <a:rPr lang="de-DE" dirty="0"/>
+              <a:t>Aufbau des Android Studio Projekts</a:t>
+            </a:r>
+          </a:p>
+          <a:p>
+            <a:r>
+              <a:rPr lang="de-DE" dirty="0" err="1"/>
+              <a:t>Entities</a:t>
+            </a:r>
+            <a:endParaRPr lang="de-DE" dirty="0"/>
           </a:p>
         </p:txBody>
       </p:sp>
@@ -6665,7 +7614,7 @@
           <p:cNvPr id="2" name="Titel 1">
             <a:extLst>
               <a:ext uri="{FF2B5EF4-FFF2-40B4-BE49-F238E27FC236}">
-                <a16:creationId xmlns:a16="http://schemas.microsoft.com/office/drawing/2014/main" id="{EC55E279-252F-4D2A-9C58-AC5D49901FBC}"/>
+                <a16:creationId xmlns:a16="http://schemas.microsoft.com/office/drawing/2014/main" id="{7A419602-B78E-4925-89D9-225503117662}"/>
               </a:ext>
             </a:extLst>
           </p:cNvPr>
@@ -6683,7 +7632,15 @@
           <a:p>
             <a:r>
               <a:rPr lang="de-DE" dirty="0"/>
-              <a:t>US1: Waren anzeigen - Backlog</a:t>
+              <a:t>Was ist </a:t>
+            </a:r>
+            <a:r>
+              <a:rPr lang="de-DE" dirty="0" err="1"/>
+              <a:t>Planet.Shop</a:t>
+            </a:r>
+            <a:r>
+              <a:rPr lang="de-DE" dirty="0"/>
+              <a:t>?</a:t>
             </a:r>
           </a:p>
         </p:txBody>
@@ -6693,7 +7650,7 @@
           <p:cNvPr id="3" name="Inhaltsplatzhalter 2">
             <a:extLst>
               <a:ext uri="{FF2B5EF4-FFF2-40B4-BE49-F238E27FC236}">
-                <a16:creationId xmlns:a16="http://schemas.microsoft.com/office/drawing/2014/main" id="{44584FBE-5073-4140-89D4-B969A3E14479}"/>
+                <a16:creationId xmlns:a16="http://schemas.microsoft.com/office/drawing/2014/main" id="{C376B0A9-66EF-416C-AD86-DB51888AFEAB}"/>
               </a:ext>
             </a:extLst>
           </p:cNvPr>
@@ -6711,33 +7668,60 @@
           <a:p>
             <a:r>
               <a:rPr lang="de-DE" dirty="0"/>
-              <a:t>Aufgabenstellung: alle Waren als Liste anzeigen</a:t>
-            </a:r>
+              <a:t>Eigentlich Teil des größeren Projekts </a:t>
+            </a:r>
+            <a:r>
+              <a:rPr lang="de-DE" dirty="0" err="1"/>
+              <a:t>Planet.Evolution</a:t>
+            </a:r>
+            <a:endParaRPr lang="de-DE" dirty="0"/>
           </a:p>
           <a:p>
             <a:r>
               <a:rPr lang="de-DE" dirty="0"/>
-              <a:t>FA: Waren mit Name, Bild, Preis anzeigen</a:t>
+              <a:t>App als Plattform für Produktkauf / Verkauf</a:t>
             </a:r>
           </a:p>
           <a:p>
             <a:r>
               <a:rPr lang="de-DE" dirty="0"/>
-              <a:t>NFA: -</a:t>
-            </a:r>
-          </a:p>
-          <a:p>
-            <a:r>
-              <a:rPr lang="de-DE" dirty="0"/>
-              <a:t>DOD: App starten und alle Produkte in Grid anzeigen</a:t>
-            </a:r>
-          </a:p>
-        </p:txBody>
-      </p:sp>
+              <a:t>Unterschied zu Amazon? Leichteres Handling für Privatverkäufer</a:t>
+            </a:r>
+          </a:p>
+        </p:txBody>
+      </p:sp>
+      <p:pic>
+        <p:nvPicPr>
+          <p:cNvPr id="4" name="image2.jpeg">
+            <a:extLst>
+              <a:ext uri="{FF2B5EF4-FFF2-40B4-BE49-F238E27FC236}">
+                <a16:creationId xmlns:a16="http://schemas.microsoft.com/office/drawing/2014/main" id="{EAB88F00-7233-4099-8EDA-E6E24678B207}"/>
+              </a:ext>
+            </a:extLst>
+          </p:cNvPr>
+          <p:cNvPicPr/>
+          <p:nvPr/>
+        </p:nvPicPr>
+        <p:blipFill>
+          <a:blip r:embed="rId2" cstate="print"/>
+          <a:stretch>
+            <a:fillRect/>
+          </a:stretch>
+        </p:blipFill>
+        <p:spPr>
+          <a:xfrm>
+            <a:off x="1926715" y="3875578"/>
+            <a:ext cx="6097905" cy="1188720"/>
+          </a:xfrm>
+          <a:prstGeom prst="rect">
+            <a:avLst/>
+          </a:prstGeom>
+        </p:spPr>
+      </p:pic>
     </p:spTree>
     <p:extLst>
       <p:ext uri="{BB962C8B-B14F-4D97-AF65-F5344CB8AC3E}">
-        <p14:creationId xmlns:p14="http://schemas.microsoft.com/office/powerpoint/2010/main" val="3343717509"/>
+        <p14:creationId xmlns:p14="http://schemas.microsoft.com/office/powerpoint/2010/main" val="4130639104"/>
       </p:ext>
     </p:extLst>
   </p:cSld>
@@ -6769,6 +7753,110 @@
           <p:cNvPr id="2" name="Titel 1">
             <a:extLst>
               <a:ext uri="{FF2B5EF4-FFF2-40B4-BE49-F238E27FC236}">
+                <a16:creationId xmlns:a16="http://schemas.microsoft.com/office/drawing/2014/main" id="{EC55E279-252F-4D2A-9C58-AC5D49901FBC}"/>
+              </a:ext>
+            </a:extLst>
+          </p:cNvPr>
+          <p:cNvSpPr>
+            <a:spLocks noGrp="1"/>
+          </p:cNvSpPr>
+          <p:nvPr>
+            <p:ph type="title"/>
+          </p:nvPr>
+        </p:nvSpPr>
+        <p:spPr/>
+        <p:txBody>
+          <a:bodyPr/>
+          <a:lstStyle/>
+          <a:p>
+            <a:r>
+              <a:rPr lang="de-DE" dirty="0"/>
+              <a:t>US1: Waren anzeigen - Backlog</a:t>
+            </a:r>
+          </a:p>
+        </p:txBody>
+      </p:sp>
+      <p:sp>
+        <p:nvSpPr>
+          <p:cNvPr id="3" name="Inhaltsplatzhalter 2">
+            <a:extLst>
+              <a:ext uri="{FF2B5EF4-FFF2-40B4-BE49-F238E27FC236}">
+                <a16:creationId xmlns:a16="http://schemas.microsoft.com/office/drawing/2014/main" id="{44584FBE-5073-4140-89D4-B969A3E14479}"/>
+              </a:ext>
+            </a:extLst>
+          </p:cNvPr>
+          <p:cNvSpPr>
+            <a:spLocks noGrp="1"/>
+          </p:cNvSpPr>
+          <p:nvPr>
+            <p:ph idx="1"/>
+          </p:nvPr>
+        </p:nvSpPr>
+        <p:spPr/>
+        <p:txBody>
+          <a:bodyPr/>
+          <a:lstStyle/>
+          <a:p>
+            <a:r>
+              <a:rPr lang="de-DE" dirty="0"/>
+              <a:t>Aufgabenstellung: alle Waren als Liste anzeigen</a:t>
+            </a:r>
+          </a:p>
+          <a:p>
+            <a:r>
+              <a:rPr lang="de-DE" dirty="0"/>
+              <a:t>FA: Waren mit Name, Bild, Preis anzeigen</a:t>
+            </a:r>
+          </a:p>
+          <a:p>
+            <a:r>
+              <a:rPr lang="de-DE" dirty="0"/>
+              <a:t>NFA: -</a:t>
+            </a:r>
+          </a:p>
+          <a:p>
+            <a:r>
+              <a:rPr lang="de-DE" dirty="0"/>
+              <a:t>DOD: App starten und alle Produkte in Grid anzeigen</a:t>
+            </a:r>
+          </a:p>
+        </p:txBody>
+      </p:sp>
+    </p:spTree>
+    <p:extLst>
+      <p:ext uri="{BB962C8B-B14F-4D97-AF65-F5344CB8AC3E}">
+        <p14:creationId xmlns:p14="http://schemas.microsoft.com/office/powerpoint/2010/main" val="3343717509"/>
+      </p:ext>
+    </p:extLst>
+  </p:cSld>
+  <p:clrMapOvr>
+    <a:masterClrMapping/>
+  </p:clrMapOvr>
+</p:sld>
+</file>
+
+<file path=ppt/slides/slide5.xml><?xml version="1.0" encoding="utf-8"?>
+<p:sld xmlns:a="http://schemas.openxmlformats.org/drawingml/2006/main" xmlns:r="http://schemas.openxmlformats.org/officeDocument/2006/relationships" xmlns:p="http://schemas.openxmlformats.org/presentationml/2006/main">
+  <p:cSld>
+    <p:spTree>
+      <p:nvGrpSpPr>
+        <p:cNvPr id="1" name=""/>
+        <p:cNvGrpSpPr/>
+        <p:nvPr/>
+      </p:nvGrpSpPr>
+      <p:grpSpPr>
+        <a:xfrm>
+          <a:off x="0" y="0"/>
+          <a:ext cx="0" cy="0"/>
+          <a:chOff x="0" y="0"/>
+          <a:chExt cx="0" cy="0"/>
+        </a:xfrm>
+      </p:grpSpPr>
+      <p:sp>
+        <p:nvSpPr>
+          <p:cNvPr id="2" name="Titel 1">
+            <a:extLst>
+              <a:ext uri="{FF2B5EF4-FFF2-40B4-BE49-F238E27FC236}">
                 <a16:creationId xmlns:a16="http://schemas.microsoft.com/office/drawing/2014/main" id="{51391DBD-7AA2-4CF0-874F-B734C670F0F8}"/>
               </a:ext>
             </a:extLst>
@@ -6787,7 +7875,7 @@
           <a:p>
             <a:r>
               <a:rPr lang="de-DE" dirty="0"/>
-              <a:t>US1: Waren anzeigen - Implementation</a:t>
+              <a:t>US1: Waren anzeigen - Implementierung</a:t>
             </a:r>
           </a:p>
         </p:txBody>
@@ -6920,7 +8008,7 @@
 </p:sld>
 </file>
 
-<file path=ppt/slides/slide5.xml><?xml version="1.0" encoding="utf-8"?>
+<file path=ppt/slides/slide6.xml><?xml version="1.0" encoding="utf-8"?>
 <p:sld xmlns:a="http://schemas.openxmlformats.org/drawingml/2006/main" xmlns:r="http://schemas.openxmlformats.org/officeDocument/2006/relationships" xmlns:p="http://schemas.openxmlformats.org/presentationml/2006/main">
   <p:cSld>
     <p:spTree>
@@ -6960,7 +8048,7 @@
           <a:p>
             <a:r>
               <a:rPr lang="de-DE" dirty="0"/>
-              <a:t>US1: Waren anzeigen - Implementation</a:t>
+              <a:t>US1: Waren anzeigen - Implementierung</a:t>
             </a:r>
           </a:p>
         </p:txBody>
@@ -7092,7 +8180,7 @@
 </p:sld>
 </file>
 
-<file path=ppt/slides/slide6.xml><?xml version="1.0" encoding="utf-8"?>
+<file path=ppt/slides/slide7.xml><?xml version="1.0" encoding="utf-8"?>
 <p:sld xmlns:a="http://schemas.openxmlformats.org/drawingml/2006/main" xmlns:r="http://schemas.openxmlformats.org/officeDocument/2006/relationships" xmlns:p="http://schemas.openxmlformats.org/presentationml/2006/main">
   <p:cSld>
     <p:spTree>
@@ -7221,113 +8309,6 @@
 </p:sld>
 </file>
 
-<file path=ppt/slides/slide7.xml><?xml version="1.0" encoding="utf-8"?>
-<p:sld xmlns:a="http://schemas.openxmlformats.org/drawingml/2006/main" xmlns:r="http://schemas.openxmlformats.org/officeDocument/2006/relationships" xmlns:p="http://schemas.openxmlformats.org/presentationml/2006/main">
-  <p:cSld>
-    <p:spTree>
-      <p:nvGrpSpPr>
-        <p:cNvPr id="1" name=""/>
-        <p:cNvGrpSpPr/>
-        <p:nvPr/>
-      </p:nvGrpSpPr>
-      <p:grpSpPr>
-        <a:xfrm>
-          <a:off x="0" y="0"/>
-          <a:ext cx="0" cy="0"/>
-          <a:chOff x="0" y="0"/>
-          <a:chExt cx="0" cy="0"/>
-        </a:xfrm>
-      </p:grpSpPr>
-      <p:sp>
-        <p:nvSpPr>
-          <p:cNvPr id="2" name="Titel 1">
-            <a:extLst>
-              <a:ext uri="{FF2B5EF4-FFF2-40B4-BE49-F238E27FC236}">
-                <a16:creationId xmlns:a16="http://schemas.microsoft.com/office/drawing/2014/main" id="{98E48368-76BC-404B-994E-CB4C4C9A9559}"/>
-              </a:ext>
-            </a:extLst>
-          </p:cNvPr>
-          <p:cNvSpPr>
-            <a:spLocks noGrp="1"/>
-          </p:cNvSpPr>
-          <p:nvPr>
-            <p:ph type="title"/>
-          </p:nvPr>
-        </p:nvSpPr>
-        <p:spPr/>
-        <p:txBody>
-          <a:bodyPr/>
-          <a:lstStyle/>
-          <a:p>
-            <a:r>
-              <a:rPr lang="de-DE" dirty="0"/>
-              <a:t>US2: Warendetails anzeigen - Backlog</a:t>
-            </a:r>
-          </a:p>
-        </p:txBody>
-      </p:sp>
-      <p:sp>
-        <p:nvSpPr>
-          <p:cNvPr id="3" name="Inhaltsplatzhalter 2">
-            <a:extLst>
-              <a:ext uri="{FF2B5EF4-FFF2-40B4-BE49-F238E27FC236}">
-                <a16:creationId xmlns:a16="http://schemas.microsoft.com/office/drawing/2014/main" id="{B7D2B553-BF48-40FC-901F-16758325AD32}"/>
-              </a:ext>
-            </a:extLst>
-          </p:cNvPr>
-          <p:cNvSpPr>
-            <a:spLocks noGrp="1"/>
-          </p:cNvSpPr>
-          <p:nvPr>
-            <p:ph idx="1"/>
-          </p:nvPr>
-        </p:nvSpPr>
-        <p:spPr/>
-        <p:txBody>
-          <a:bodyPr/>
-          <a:lstStyle/>
-          <a:p>
-            <a:r>
-              <a:rPr lang="de-DE" dirty="0"/>
-              <a:t>Aufgabenstellung: Bei Klick neues Fenster mit Details</a:t>
-            </a:r>
-          </a:p>
-          <a:p>
-            <a:r>
-              <a:rPr lang="de-DE" dirty="0"/>
-              <a:t>FA: Waren mit Name, Bild, Preis, Description, verfügbarer Menge anzeigen</a:t>
-            </a:r>
-          </a:p>
-          <a:p>
-            <a:r>
-              <a:rPr lang="de-DE" dirty="0"/>
-              <a:t>NFA: -</a:t>
-            </a:r>
-          </a:p>
-          <a:p>
-            <a:r>
-              <a:rPr lang="de-DE" dirty="0"/>
-              <a:t>DOD: Bei Klick auf Produkt Details anzeigen</a:t>
-            </a:r>
-          </a:p>
-          <a:p>
-            <a:endParaRPr lang="de-DE" dirty="0"/>
-          </a:p>
-        </p:txBody>
-      </p:sp>
-    </p:spTree>
-    <p:extLst>
-      <p:ext uri="{BB962C8B-B14F-4D97-AF65-F5344CB8AC3E}">
-        <p14:creationId xmlns:p14="http://schemas.microsoft.com/office/powerpoint/2010/main" val="2851625147"/>
-      </p:ext>
-    </p:extLst>
-  </p:cSld>
-  <p:clrMapOvr>
-    <a:masterClrMapping/>
-  </p:clrMapOvr>
-</p:sld>
-</file>
-
 <file path=ppt/slides/slide8.xml><?xml version="1.0" encoding="utf-8"?>
 <p:sld xmlns:a="http://schemas.openxmlformats.org/drawingml/2006/main" xmlns:r="http://schemas.openxmlformats.org/officeDocument/2006/relationships" xmlns:p="http://schemas.openxmlformats.org/presentationml/2006/main">
   <p:cSld>
@@ -7350,6 +8331,113 @@
           <p:cNvPr id="2" name="Titel 1">
             <a:extLst>
               <a:ext uri="{FF2B5EF4-FFF2-40B4-BE49-F238E27FC236}">
+                <a16:creationId xmlns:a16="http://schemas.microsoft.com/office/drawing/2014/main" id="{98E48368-76BC-404B-994E-CB4C4C9A9559}"/>
+              </a:ext>
+            </a:extLst>
+          </p:cNvPr>
+          <p:cNvSpPr>
+            <a:spLocks noGrp="1"/>
+          </p:cNvSpPr>
+          <p:nvPr>
+            <p:ph type="title"/>
+          </p:nvPr>
+        </p:nvSpPr>
+        <p:spPr/>
+        <p:txBody>
+          <a:bodyPr/>
+          <a:lstStyle/>
+          <a:p>
+            <a:r>
+              <a:rPr lang="de-DE" dirty="0"/>
+              <a:t>US2: Warendetails anzeigen - Backlog</a:t>
+            </a:r>
+          </a:p>
+        </p:txBody>
+      </p:sp>
+      <p:sp>
+        <p:nvSpPr>
+          <p:cNvPr id="3" name="Inhaltsplatzhalter 2">
+            <a:extLst>
+              <a:ext uri="{FF2B5EF4-FFF2-40B4-BE49-F238E27FC236}">
+                <a16:creationId xmlns:a16="http://schemas.microsoft.com/office/drawing/2014/main" id="{B7D2B553-BF48-40FC-901F-16758325AD32}"/>
+              </a:ext>
+            </a:extLst>
+          </p:cNvPr>
+          <p:cNvSpPr>
+            <a:spLocks noGrp="1"/>
+          </p:cNvSpPr>
+          <p:nvPr>
+            <p:ph idx="1"/>
+          </p:nvPr>
+        </p:nvSpPr>
+        <p:spPr/>
+        <p:txBody>
+          <a:bodyPr/>
+          <a:lstStyle/>
+          <a:p>
+            <a:r>
+              <a:rPr lang="de-DE" dirty="0"/>
+              <a:t>Aufgabenstellung: Bei Klick neues Fenster mit Details</a:t>
+            </a:r>
+          </a:p>
+          <a:p>
+            <a:r>
+              <a:rPr lang="de-DE" dirty="0"/>
+              <a:t>FA: Waren mit Name, Bild, Preis, Description, verfügbarer Menge anzeigen</a:t>
+            </a:r>
+          </a:p>
+          <a:p>
+            <a:r>
+              <a:rPr lang="de-DE" dirty="0"/>
+              <a:t>NFA: -</a:t>
+            </a:r>
+          </a:p>
+          <a:p>
+            <a:r>
+              <a:rPr lang="de-DE" dirty="0"/>
+              <a:t>DOD: Bei Klick auf Produkt Details anzeigen</a:t>
+            </a:r>
+          </a:p>
+          <a:p>
+            <a:endParaRPr lang="de-DE" dirty="0"/>
+          </a:p>
+        </p:txBody>
+      </p:sp>
+    </p:spTree>
+    <p:extLst>
+      <p:ext uri="{BB962C8B-B14F-4D97-AF65-F5344CB8AC3E}">
+        <p14:creationId xmlns:p14="http://schemas.microsoft.com/office/powerpoint/2010/main" val="2851625147"/>
+      </p:ext>
+    </p:extLst>
+  </p:cSld>
+  <p:clrMapOvr>
+    <a:masterClrMapping/>
+  </p:clrMapOvr>
+</p:sld>
+</file>
+
+<file path=ppt/slides/slide9.xml><?xml version="1.0" encoding="utf-8"?>
+<p:sld xmlns:a="http://schemas.openxmlformats.org/drawingml/2006/main" xmlns:r="http://schemas.openxmlformats.org/officeDocument/2006/relationships" xmlns:p="http://schemas.openxmlformats.org/presentationml/2006/main">
+  <p:cSld>
+    <p:spTree>
+      <p:nvGrpSpPr>
+        <p:cNvPr id="1" name=""/>
+        <p:cNvGrpSpPr/>
+        <p:nvPr/>
+      </p:nvGrpSpPr>
+      <p:grpSpPr>
+        <a:xfrm>
+          <a:off x="0" y="0"/>
+          <a:ext cx="0" cy="0"/>
+          <a:chOff x="0" y="0"/>
+          <a:chExt cx="0" cy="0"/>
+        </a:xfrm>
+      </p:grpSpPr>
+      <p:sp>
+        <p:nvSpPr>
+          <p:cNvPr id="2" name="Titel 1">
+            <a:extLst>
+              <a:ext uri="{FF2B5EF4-FFF2-40B4-BE49-F238E27FC236}">
                 <a16:creationId xmlns:a16="http://schemas.microsoft.com/office/drawing/2014/main" id="{F0884609-2767-4A4B-AF02-3E098816AE5E}"/>
               </a:ext>
             </a:extLst>
@@ -7363,8 +8451,8 @@
         </p:nvSpPr>
         <p:spPr>
           <a:xfrm>
-            <a:off x="186431" y="609600"/>
-            <a:ext cx="10173809" cy="1320800"/>
+            <a:off x="1" y="609600"/>
+            <a:ext cx="10235952" cy="1320800"/>
           </a:xfrm>
         </p:spPr>
         <p:txBody>
@@ -7373,7 +8461,7 @@
           <a:p>
             <a:r>
               <a:rPr lang="de-DE" dirty="0"/>
-              <a:t>US2: Warendetails anzeigen - Implementation</a:t>
+              <a:t>US2: Warendetails anzeigen - Implementierung</a:t>
             </a:r>
           </a:p>
         </p:txBody>
@@ -7477,99 +8565,6 @@
     <p:extLst>
       <p:ext uri="{BB962C8B-B14F-4D97-AF65-F5344CB8AC3E}">
         <p14:creationId xmlns:p14="http://schemas.microsoft.com/office/powerpoint/2010/main" val="301818274"/>
-      </p:ext>
-    </p:extLst>
-  </p:cSld>
-  <p:clrMapOvr>
-    <a:masterClrMapping/>
-  </p:clrMapOvr>
-</p:sld>
-</file>
-
-<file path=ppt/slides/slide9.xml><?xml version="1.0" encoding="utf-8"?>
-<p:sld xmlns:a="http://schemas.openxmlformats.org/drawingml/2006/main" xmlns:r="http://schemas.openxmlformats.org/officeDocument/2006/relationships" xmlns:p="http://schemas.openxmlformats.org/presentationml/2006/main">
-  <p:cSld>
-    <p:spTree>
-      <p:nvGrpSpPr>
-        <p:cNvPr id="1" name=""/>
-        <p:cNvGrpSpPr/>
-        <p:nvPr/>
-      </p:nvGrpSpPr>
-      <p:grpSpPr>
-        <a:xfrm>
-          <a:off x="0" y="0"/>
-          <a:ext cx="0" cy="0"/>
-          <a:chOff x="0" y="0"/>
-          <a:chExt cx="0" cy="0"/>
-        </a:xfrm>
-      </p:grpSpPr>
-      <p:sp>
-        <p:nvSpPr>
-          <p:cNvPr id="2" name="Titel 1">
-            <a:extLst>
-              <a:ext uri="{FF2B5EF4-FFF2-40B4-BE49-F238E27FC236}">
-                <a16:creationId xmlns:a16="http://schemas.microsoft.com/office/drawing/2014/main" id="{F7DDE21C-9816-434B-A9B0-F608EEFA8F94}"/>
-              </a:ext>
-            </a:extLst>
-          </p:cNvPr>
-          <p:cNvSpPr>
-            <a:spLocks noGrp="1"/>
-          </p:cNvSpPr>
-          <p:nvPr>
-            <p:ph type="title"/>
-          </p:nvPr>
-        </p:nvSpPr>
-        <p:spPr/>
-        <p:txBody>
-          <a:bodyPr/>
-          <a:lstStyle/>
-          <a:p>
-            <a:r>
-              <a:rPr lang="de-DE" dirty="0"/>
-              <a:t>US2: Warendetails anzeigen - Code</a:t>
-            </a:r>
-          </a:p>
-        </p:txBody>
-      </p:sp>
-      <p:pic>
-        <p:nvPicPr>
-          <p:cNvPr id="5" name="Inhaltsplatzhalter 4">
-            <a:extLst>
-              <a:ext uri="{FF2B5EF4-FFF2-40B4-BE49-F238E27FC236}">
-                <a16:creationId xmlns:a16="http://schemas.microsoft.com/office/drawing/2014/main" id="{A0C09AB2-3E41-4A86-85AD-66767B622A32}"/>
-              </a:ext>
-            </a:extLst>
-          </p:cNvPr>
-          <p:cNvPicPr>
-            <a:picLocks noGrp="1" noChangeAspect="1"/>
-          </p:cNvPicPr>
-          <p:nvPr>
-            <p:ph idx="1"/>
-          </p:nvPr>
-        </p:nvPicPr>
-        <p:blipFill>
-          <a:blip r:embed="rId2">
-            <a:extLst>
-              <a:ext uri="{28A0092B-C50C-407E-A947-70E740481C1C}">
-                <a14:useLocalDpi xmlns:a14="http://schemas.microsoft.com/office/drawing/2010/main" val="0"/>
-              </a:ext>
-            </a:extLst>
-          </a:blip>
-          <a:stretch>
-            <a:fillRect/>
-          </a:stretch>
-        </p:blipFill>
-        <p:spPr>
-          <a:xfrm>
-            <a:off x="904875" y="1343026"/>
-            <a:ext cx="7633601" cy="5318126"/>
-          </a:xfrm>
-        </p:spPr>
-      </p:pic>
-    </p:spTree>
-    <p:extLst>
-      <p:ext uri="{BB962C8B-B14F-4D97-AF65-F5344CB8AC3E}">
-        <p14:creationId xmlns:p14="http://schemas.microsoft.com/office/powerpoint/2010/main" val="2512948661"/>
       </p:ext>
     </p:extLst>
   </p:cSld>
